--- a/Project Poster.pptx
+++ b/Project Poster.pptx
@@ -104,6 +104,11 @@
       </a:defRPr>
     </a:lvl9pPr>
   </p:defaultTextStyle>
+  <p:extLst>
+    <p:ext uri="{EFAFB233-063F-42B5-8137-9DF3F51BA10A}">
+      <p15:sldGuideLst xmlns:p15="http://schemas.microsoft.com/office/powerpoint/2012/main"/>
+    </p:ext>
+  </p:extLst>
 </p:presentation>
 </file>
 
@@ -238,7 +243,7 @@
           <a:p>
             <a:fld id="{9BFDB22C-9D85-4141-A83A-734D1007E787}" type="datetimeFigureOut">
               <a:rPr lang="en-AU" smtClean="0"/>
-              <a:t>24/06/2019</a:t>
+              <a:t>27/06/2019</a:t>
             </a:fld>
             <a:endParaRPr lang="en-AU"/>
           </a:p>
@@ -408,7 +413,7 @@
           <a:p>
             <a:fld id="{9BFDB22C-9D85-4141-A83A-734D1007E787}" type="datetimeFigureOut">
               <a:rPr lang="en-AU" smtClean="0"/>
-              <a:t>24/06/2019</a:t>
+              <a:t>27/06/2019</a:t>
             </a:fld>
             <a:endParaRPr lang="en-AU"/>
           </a:p>
@@ -588,7 +593,7 @@
           <a:p>
             <a:fld id="{9BFDB22C-9D85-4141-A83A-734D1007E787}" type="datetimeFigureOut">
               <a:rPr lang="en-AU" smtClean="0"/>
-              <a:t>24/06/2019</a:t>
+              <a:t>27/06/2019</a:t>
             </a:fld>
             <a:endParaRPr lang="en-AU"/>
           </a:p>
@@ -758,7 +763,7 @@
           <a:p>
             <a:fld id="{9BFDB22C-9D85-4141-A83A-734D1007E787}" type="datetimeFigureOut">
               <a:rPr lang="en-AU" smtClean="0"/>
-              <a:t>24/06/2019</a:t>
+              <a:t>27/06/2019</a:t>
             </a:fld>
             <a:endParaRPr lang="en-AU"/>
           </a:p>
@@ -1004,7 +1009,7 @@
           <a:p>
             <a:fld id="{9BFDB22C-9D85-4141-A83A-734D1007E787}" type="datetimeFigureOut">
               <a:rPr lang="en-AU" smtClean="0"/>
-              <a:t>24/06/2019</a:t>
+              <a:t>27/06/2019</a:t>
             </a:fld>
             <a:endParaRPr lang="en-AU"/>
           </a:p>
@@ -1236,7 +1241,7 @@
           <a:p>
             <a:fld id="{9BFDB22C-9D85-4141-A83A-734D1007E787}" type="datetimeFigureOut">
               <a:rPr lang="en-AU" smtClean="0"/>
-              <a:t>24/06/2019</a:t>
+              <a:t>27/06/2019</a:t>
             </a:fld>
             <a:endParaRPr lang="en-AU"/>
           </a:p>
@@ -1603,7 +1608,7 @@
           <a:p>
             <a:fld id="{9BFDB22C-9D85-4141-A83A-734D1007E787}" type="datetimeFigureOut">
               <a:rPr lang="en-AU" smtClean="0"/>
-              <a:t>24/06/2019</a:t>
+              <a:t>27/06/2019</a:t>
             </a:fld>
             <a:endParaRPr lang="en-AU"/>
           </a:p>
@@ -1721,7 +1726,7 @@
           <a:p>
             <a:fld id="{9BFDB22C-9D85-4141-A83A-734D1007E787}" type="datetimeFigureOut">
               <a:rPr lang="en-AU" smtClean="0"/>
-              <a:t>24/06/2019</a:t>
+              <a:t>27/06/2019</a:t>
             </a:fld>
             <a:endParaRPr lang="en-AU"/>
           </a:p>
@@ -1816,7 +1821,7 @@
           <a:p>
             <a:fld id="{9BFDB22C-9D85-4141-A83A-734D1007E787}" type="datetimeFigureOut">
               <a:rPr lang="en-AU" smtClean="0"/>
-              <a:t>24/06/2019</a:t>
+              <a:t>27/06/2019</a:t>
             </a:fld>
             <a:endParaRPr lang="en-AU"/>
           </a:p>
@@ -2093,7 +2098,7 @@
           <a:p>
             <a:fld id="{9BFDB22C-9D85-4141-A83A-734D1007E787}" type="datetimeFigureOut">
               <a:rPr lang="en-AU" smtClean="0"/>
-              <a:t>24/06/2019</a:t>
+              <a:t>27/06/2019</a:t>
             </a:fld>
             <a:endParaRPr lang="en-AU"/>
           </a:p>
@@ -2350,7 +2355,7 @@
           <a:p>
             <a:fld id="{9BFDB22C-9D85-4141-A83A-734D1007E787}" type="datetimeFigureOut">
               <a:rPr lang="en-AU" smtClean="0"/>
-              <a:t>24/06/2019</a:t>
+              <a:t>27/06/2019</a:t>
             </a:fld>
             <a:endParaRPr lang="en-AU"/>
           </a:p>
@@ -2563,7 +2568,7 @@
           <a:p>
             <a:fld id="{9BFDB22C-9D85-4141-A83A-734D1007E787}" type="datetimeFigureOut">
               <a:rPr lang="en-AU" smtClean="0"/>
-              <a:t>24/06/2019</a:t>
+              <a:t>27/06/2019</a:t>
             </a:fld>
             <a:endParaRPr lang="en-AU"/>
           </a:p>
@@ -2956,11 +2961,15 @@
   <p:cSld>
     <p:bg>
       <p:bgPr>
-        <a:solidFill>
-          <a:schemeClr val="tx1">
-            <a:alpha val="0"/>
-          </a:schemeClr>
-        </a:solidFill>
+        <a:blipFill dpi="0" rotWithShape="1">
+          <a:blip r:embed="rId2">
+            <a:lum/>
+          </a:blip>
+          <a:srcRect/>
+          <a:stretch>
+            <a:fillRect l="-1000" r="-1000"/>
+          </a:stretch>
+        </a:blipFill>
         <a:effectLst/>
       </p:bgPr>
     </p:bg>
@@ -2978,227 +2987,6 @@
           <a:chExt cx="0" cy="0"/>
         </a:xfrm>
       </p:grpSpPr>
-      <p:grpSp>
-        <p:nvGrpSpPr>
-          <p:cNvPr id="1055" name="Group 1054">
-            <a:extLst>
-              <a:ext uri="{FF2B5EF4-FFF2-40B4-BE49-F238E27FC236}">
-                <a16:creationId xmlns:a16="http://schemas.microsoft.com/office/drawing/2014/main" id="{2803B3F3-5903-41FB-AFB0-A51DCD4241E7}"/>
-              </a:ext>
-            </a:extLst>
-          </p:cNvPr>
-          <p:cNvGrpSpPr/>
-          <p:nvPr/>
-        </p:nvGrpSpPr>
-        <p:grpSpPr>
-          <a:xfrm>
-            <a:off x="283629" y="241687"/>
-            <a:ext cx="49964516" cy="4541520"/>
-            <a:chOff x="283629" y="106680"/>
-            <a:chExt cx="49964516" cy="4541520"/>
-          </a:xfrm>
-        </p:grpSpPr>
-        <p:grpSp>
-          <p:nvGrpSpPr>
-            <p:cNvPr id="8" name="Group 7">
-              <a:extLst>
-                <a:ext uri="{FF2B5EF4-FFF2-40B4-BE49-F238E27FC236}">
-                  <a16:creationId xmlns:a16="http://schemas.microsoft.com/office/drawing/2014/main" id="{C93BD444-763D-47AD-B6AB-4A3AB8572D9D}"/>
-                </a:ext>
-              </a:extLst>
-            </p:cNvPr>
-            <p:cNvGrpSpPr/>
-            <p:nvPr/>
-          </p:nvGrpSpPr>
-          <p:grpSpPr>
-            <a:xfrm>
-              <a:off x="283629" y="106680"/>
-              <a:ext cx="49832692" cy="4541520"/>
-              <a:chOff x="151805" y="106680"/>
-              <a:chExt cx="50096340" cy="4541520"/>
-            </a:xfrm>
-            <a:solidFill>
-              <a:srgbClr val="002F87"/>
-            </a:solidFill>
-          </p:grpSpPr>
-          <p:sp>
-            <p:nvSpPr>
-              <p:cNvPr id="4" name="Rectangle: Rounded Corners 3">
-                <a:extLst>
-                  <a:ext uri="{FF2B5EF4-FFF2-40B4-BE49-F238E27FC236}">
-                    <a16:creationId xmlns:a16="http://schemas.microsoft.com/office/drawing/2014/main" id="{69422479-9DBB-4253-AE77-EE13C4B2CBE8}"/>
-                  </a:ext>
-                </a:extLst>
-              </p:cNvPr>
-              <p:cNvSpPr/>
-              <p:nvPr/>
-            </p:nvSpPr>
-            <p:spPr>
-              <a:xfrm>
-                <a:off x="151805" y="106680"/>
-                <a:ext cx="50096340" cy="4541520"/>
-              </a:xfrm>
-              <a:prstGeom prst="roundRect">
-                <a:avLst>
-                  <a:gd name="adj" fmla="val 7159"/>
-                </a:avLst>
-              </a:prstGeom>
-              <a:grpFill/>
-              <a:ln w="127000">
-                <a:solidFill>
-                  <a:srgbClr val="E7E200"/>
-                </a:solidFill>
-              </a:ln>
-            </p:spPr>
-            <p:style>
-              <a:lnRef idx="2">
-                <a:schemeClr val="accent1">
-                  <a:shade val="50000"/>
-                </a:schemeClr>
-              </a:lnRef>
-              <a:fillRef idx="1">
-                <a:schemeClr val="accent1"/>
-              </a:fillRef>
-              <a:effectRef idx="0">
-                <a:schemeClr val="accent1"/>
-              </a:effectRef>
-              <a:fontRef idx="minor">
-                <a:schemeClr val="lt1"/>
-              </a:fontRef>
-            </p:style>
-            <p:txBody>
-              <a:bodyPr rtlCol="0" anchor="ctr"/>
-              <a:lstStyle/>
-              <a:p>
-                <a:pPr algn="ctr"/>
-                <a:endParaRPr lang="en-AU" dirty="0"/>
-              </a:p>
-            </p:txBody>
-          </p:sp>
-          <p:pic>
-            <p:nvPicPr>
-              <p:cNvPr id="7" name="Picture 6">
-                <a:extLst>
-                  <a:ext uri="{FF2B5EF4-FFF2-40B4-BE49-F238E27FC236}">
-                    <a16:creationId xmlns:a16="http://schemas.microsoft.com/office/drawing/2014/main" id="{ED187611-8B9E-45A6-B469-F6A457C5B390}"/>
-                  </a:ext>
-                </a:extLst>
-              </p:cNvPr>
-              <p:cNvPicPr>
-                <a:picLocks noChangeAspect="1"/>
-              </p:cNvPicPr>
-              <p:nvPr/>
-            </p:nvPicPr>
-            <p:blipFill>
-              <a:blip r:embed="rId2"/>
-              <a:stretch>
-                <a:fillRect/>
-              </a:stretch>
-            </p:blipFill>
-            <p:spPr>
-              <a:xfrm>
-                <a:off x="1409106" y="754159"/>
-                <a:ext cx="9677994" cy="3246562"/>
-              </a:xfrm>
-              <a:prstGeom prst="rect">
-                <a:avLst/>
-              </a:prstGeom>
-              <a:grpFill/>
-            </p:spPr>
-          </p:pic>
-        </p:grpSp>
-        <p:sp>
-          <p:nvSpPr>
-            <p:cNvPr id="9" name="TextBox 8">
-              <a:extLst>
-                <a:ext uri="{FF2B5EF4-FFF2-40B4-BE49-F238E27FC236}">
-                  <a16:creationId xmlns:a16="http://schemas.microsoft.com/office/drawing/2014/main" id="{7BB02DC9-9C70-4B9C-A120-F8198A3EAC6E}"/>
-                </a:ext>
-              </a:extLst>
-            </p:cNvPr>
-            <p:cNvSpPr txBox="1"/>
-            <p:nvPr/>
-          </p:nvSpPr>
-          <p:spPr>
-            <a:xfrm>
-              <a:off x="12344401" y="311555"/>
-              <a:ext cx="20878799" cy="2215991"/>
-            </a:xfrm>
-            <a:prstGeom prst="rect">
-              <a:avLst/>
-            </a:prstGeom>
-            <a:noFill/>
-          </p:spPr>
-          <p:txBody>
-            <a:bodyPr wrap="square" rtlCol="0">
-              <a:spAutoFit/>
-            </a:bodyPr>
-            <a:lstStyle/>
-            <a:p>
-              <a:pPr>
-                <a:spcBef>
-                  <a:spcPts val="1200"/>
-                </a:spcBef>
-              </a:pPr>
-              <a:r>
-                <a:rPr lang="en-AU" sz="13800" b="1" cap="small" dirty="0">
-                  <a:solidFill>
-                    <a:schemeClr val="bg1"/>
-                  </a:solidFill>
-                  <a:latin typeface="Arial Nova" panose="020B0504020202020204" pitchFamily="34" charset="0"/>
-                </a:rPr>
-                <a:t>Never Tell Me the Odds!</a:t>
-              </a:r>
-              <a:endParaRPr lang="en-AU" sz="6400" b="1" dirty="0">
-                <a:solidFill>
-                  <a:schemeClr val="bg1"/>
-                </a:solidFill>
-                <a:latin typeface="Arial Nova" panose="020B0504020202020204" pitchFamily="34" charset="0"/>
-              </a:endParaRPr>
-            </a:p>
-          </p:txBody>
-        </p:sp>
-        <p:sp>
-          <p:nvSpPr>
-            <p:cNvPr id="10" name="Rectangle 9">
-              <a:extLst>
-                <a:ext uri="{FF2B5EF4-FFF2-40B4-BE49-F238E27FC236}">
-                  <a16:creationId xmlns:a16="http://schemas.microsoft.com/office/drawing/2014/main" id="{903A08DE-2701-41CD-9948-68BB66D72EC6}"/>
-                </a:ext>
-              </a:extLst>
-            </p:cNvPr>
-            <p:cNvSpPr/>
-            <p:nvPr/>
-          </p:nvSpPr>
-          <p:spPr>
-            <a:xfrm>
-              <a:off x="12344401" y="2732421"/>
-              <a:ext cx="37903744" cy="1077218"/>
-            </a:xfrm>
-            <a:prstGeom prst="rect">
-              <a:avLst/>
-            </a:prstGeom>
-          </p:spPr>
-          <p:txBody>
-            <a:bodyPr wrap="square">
-              <a:spAutoFit/>
-            </a:bodyPr>
-            <a:lstStyle/>
-            <a:p>
-              <a:r>
-                <a:rPr lang="en-AU" sz="6400" dirty="0">
-                  <a:solidFill>
-                    <a:schemeClr val="bg1"/>
-                  </a:solidFill>
-                  <a:latin typeface="Arial Nova" panose="020B0504020202020204" pitchFamily="34" charset="0"/>
-                </a:rPr>
-                <a:t>What were the chances that the St. Louis Blues could go from Second-Last to Winning the Stanley Cup?</a:t>
-              </a:r>
-              <a:endParaRPr lang="en-AU" sz="6400" dirty="0"/>
-            </a:p>
-          </p:txBody>
-        </p:sp>
-      </p:grpSp>
       <p:grpSp>
         <p:nvGrpSpPr>
           <p:cNvPr id="1033" name="Group 1032">
@@ -3219,7 +3007,9 @@
             <a:chExt cx="16344957" cy="23210133"/>
           </a:xfrm>
           <a:solidFill>
-            <a:srgbClr val="002F87"/>
+            <a:srgbClr val="002F87">
+              <a:alpha val="80000"/>
+            </a:srgbClr>
           </a:solidFill>
         </p:grpSpPr>
         <p:grpSp>
@@ -3359,7 +3149,7 @@
                   <a:prstGeom prst="rect">
                     <a:avLst/>
                   </a:prstGeom>
-                  <a:grpFill/>
+                  <a:noFill/>
                 </p:spPr>
                 <p:txBody>
                   <a:bodyPr wrap="square" rtlCol="0">
@@ -3442,7 +3232,7 @@
                   <a:prstGeom prst="rect">
                     <a:avLst/>
                   </a:prstGeom>
-                  <a:grpFill/>
+                  <a:noFill/>
                 </p:spPr>
                 <p:txBody>
                   <a:bodyPr wrap="square" rtlCol="0">
@@ -3773,7 +3563,11 @@
                       <a:gd name="adj" fmla="val 3415"/>
                     </a:avLst>
                   </a:prstGeom>
-                  <a:grpFill/>
+                  <a:solidFill>
+                    <a:srgbClr val="002F87">
+                      <a:alpha val="85000"/>
+                    </a:srgbClr>
+                  </a:solidFill>
                   <a:ln w="127000">
                     <a:solidFill>
                       <a:srgbClr val="E7E200"/>
@@ -3869,7 +3663,10 @@
                   <a:prstGeom prst="rect">
                     <a:avLst/>
                   </a:prstGeom>
-                  <a:grpFill/>
+                  <a:noFill/>
+                  <a:ln>
+                    <a:noFill/>
+                  </a:ln>
                 </p:spPr>
                 <p:txBody>
                   <a:bodyPr wrap="square" rtlCol="0">
@@ -3908,7 +3705,7 @@
                   <a:prstGeom prst="rect">
                     <a:avLst/>
                   </a:prstGeom>
-                  <a:grpFill/>
+                  <a:noFill/>
                 </p:spPr>
                 <p:txBody>
                   <a:bodyPr wrap="square" rtlCol="0">
@@ -4312,7 +4109,7 @@
                                   </a:prstGeom>
                                   <a:solidFill>
                                     <a:srgbClr val="0046C4">
-                                      <a:alpha val="50196"/>
+                                      <a:alpha val="80000"/>
                                     </a:srgbClr>
                                   </a:solidFill>
                                   <a:ln w="38100">
@@ -4437,7 +4234,7 @@
                                   </a:prstGeom>
                                   <a:solidFill>
                                     <a:srgbClr val="0046C4">
-                                      <a:alpha val="50196"/>
+                                      <a:alpha val="80000"/>
                                     </a:srgbClr>
                                   </a:solidFill>
                                   <a:ln w="38100">
@@ -4542,7 +4339,7 @@
                               </a:prstGeom>
                               <a:solidFill>
                                 <a:srgbClr val="0046C4">
-                                  <a:alpha val="50196"/>
+                                  <a:alpha val="80000"/>
                                 </a:srgbClr>
                               </a:solidFill>
                               <a:ln w="38100">
@@ -4668,7 +4465,7 @@
                             </a:prstGeom>
                             <a:solidFill>
                               <a:srgbClr val="0046C4">
-                                <a:alpha val="50196"/>
+                                <a:alpha val="80000"/>
                               </a:srgbClr>
                             </a:solidFill>
                             <a:ln w="38100">
@@ -4836,7 +4633,7 @@
                               </a:prstGeom>
                               <a:solidFill>
                                 <a:srgbClr val="0046C4">
-                                  <a:alpha val="50196"/>
+                                  <a:alpha val="80000"/>
                                 </a:srgbClr>
                               </a:solidFill>
                               <a:ln w="38100">
@@ -4894,7 +4691,7 @@
                               </a:prstGeom>
                               <a:solidFill>
                                 <a:srgbClr val="0046C4">
-                                  <a:alpha val="50196"/>
+                                  <a:alpha val="80000"/>
                                 </a:srgbClr>
                               </a:solidFill>
                               <a:ln w="38100">
@@ -4997,7 +4794,7 @@
                               </a:prstGeom>
                               <a:solidFill>
                                 <a:srgbClr val="0046C4">
-                                  <a:alpha val="50196"/>
+                                  <a:alpha val="80000"/>
                                 </a:srgbClr>
                               </a:solidFill>
                               <a:ln w="38100">
@@ -5616,7 +5413,7 @@
                                   </a:prstGeom>
                                   <a:solidFill>
                                     <a:srgbClr val="0046C4">
-                                      <a:alpha val="50196"/>
+                                      <a:alpha val="80000"/>
                                     </a:srgbClr>
                                   </a:solidFill>
                                   <a:ln w="38100">
@@ -5741,7 +5538,7 @@
                                   </a:prstGeom>
                                   <a:solidFill>
                                     <a:srgbClr val="0046C4">
-                                      <a:alpha val="50196"/>
+                                      <a:alpha val="80000"/>
                                     </a:srgbClr>
                                   </a:solidFill>
                                   <a:ln w="38100">
@@ -5866,7 +5663,7 @@
                                   </a:prstGeom>
                                   <a:solidFill>
                                     <a:srgbClr val="0046C4">
-                                      <a:alpha val="50196"/>
+                                      <a:alpha val="80000"/>
                                     </a:srgbClr>
                                   </a:solidFill>
                                   <a:ln w="38100">
@@ -5971,7 +5768,7 @@
                               </a:prstGeom>
                               <a:solidFill>
                                 <a:srgbClr val="0046C4">
-                                  <a:alpha val="50196"/>
+                                  <a:alpha val="80000"/>
                                 </a:srgbClr>
                               </a:solidFill>
                               <a:ln w="38100">
@@ -6097,7 +5894,7 @@
                             </a:prstGeom>
                             <a:solidFill>
                               <a:srgbClr val="0046C4">
-                                <a:alpha val="50196"/>
+                                <a:alpha val="80000"/>
                               </a:srgbClr>
                             </a:solidFill>
                             <a:ln w="38100">
@@ -6265,7 +6062,7 @@
                               </a:prstGeom>
                               <a:solidFill>
                                 <a:srgbClr val="0046C4">
-                                  <a:alpha val="50196"/>
+                                  <a:alpha val="80000"/>
                                 </a:srgbClr>
                               </a:solidFill>
                               <a:ln w="38100">
@@ -6323,7 +6120,7 @@
                               </a:prstGeom>
                               <a:solidFill>
                                 <a:srgbClr val="0046C4">
-                                  <a:alpha val="50196"/>
+                                  <a:alpha val="80000"/>
                                 </a:srgbClr>
                               </a:solidFill>
                               <a:ln w="38100">
@@ -6426,7 +6223,7 @@
                               </a:prstGeom>
                               <a:solidFill>
                                 <a:srgbClr val="0046C4">
-                                  <a:alpha val="50196"/>
+                                  <a:alpha val="80000"/>
                                 </a:srgbClr>
                               </a:solidFill>
                               <a:ln w="38100">
@@ -6895,7 +6692,7 @@
                   <a:prstGeom prst="rect">
                     <a:avLst/>
                   </a:prstGeom>
-                  <a:grpFill/>
+                  <a:noFill/>
                 </p:spPr>
                 <p:txBody>
                   <a:bodyPr wrap="square" rtlCol="0">
@@ -6936,7 +6733,7 @@
                   <a:prstGeom prst="rect">
                     <a:avLst/>
                   </a:prstGeom>
-                  <a:grpFill/>
+                  <a:noFill/>
                 </p:spPr>
                 <p:txBody>
                   <a:bodyPr wrap="square" rtlCol="0">
@@ -6977,7 +6774,7 @@
                   <a:prstGeom prst="rect">
                     <a:avLst/>
                   </a:prstGeom>
-                  <a:grpFill/>
+                  <a:noFill/>
                 </p:spPr>
                 <p:txBody>
                   <a:bodyPr wrap="square" rtlCol="0">
@@ -7018,7 +6815,7 @@
                   <a:prstGeom prst="rect">
                     <a:avLst/>
                   </a:prstGeom>
-                  <a:grpFill/>
+                  <a:noFill/>
                 </p:spPr>
                 <p:txBody>
                   <a:bodyPr wrap="square" rtlCol="0">
@@ -7059,7 +6856,7 @@
                   <a:prstGeom prst="rect">
                     <a:avLst/>
                   </a:prstGeom>
-                  <a:grpFill/>
+                  <a:noFill/>
                 </p:spPr>
                 <p:txBody>
                   <a:bodyPr wrap="square" rtlCol="0">
@@ -7100,7 +6897,7 @@
                   <a:prstGeom prst="rect">
                     <a:avLst/>
                   </a:prstGeom>
-                  <a:grpFill/>
+                  <a:noFill/>
                 </p:spPr>
                 <p:txBody>
                   <a:bodyPr wrap="square" rtlCol="0">
@@ -7141,7 +6938,7 @@
                   <a:prstGeom prst="rect">
                     <a:avLst/>
                   </a:prstGeom>
-                  <a:grpFill/>
+                  <a:noFill/>
                 </p:spPr>
                 <p:txBody>
                   <a:bodyPr wrap="square" rtlCol="0">
@@ -8073,7 +7870,9 @@
             <a:chExt cx="14135695" cy="23199714"/>
           </a:xfrm>
           <a:solidFill>
-            <a:srgbClr val="002F87"/>
+            <a:srgbClr val="002F87">
+              <a:alpha val="80000"/>
+            </a:srgbClr>
           </a:solidFill>
         </p:grpSpPr>
         <p:grpSp>
@@ -8119,7 +7918,11 @@
                   <a:gd name="adj" fmla="val 3415"/>
                 </a:avLst>
               </a:prstGeom>
-              <a:grpFill/>
+              <a:solidFill>
+                <a:srgbClr val="002F87">
+                  <a:alpha val="85000"/>
+                </a:srgbClr>
+              </a:solidFill>
               <a:ln w="127000">
                 <a:solidFill>
                   <a:srgbClr val="E7E200"/>
@@ -8171,7 +7974,7 @@
               <a:prstGeom prst="rect">
                 <a:avLst/>
               </a:prstGeom>
-              <a:grpFill/>
+              <a:noFill/>
             </p:spPr>
             <p:txBody>
               <a:bodyPr wrap="square" rtlCol="0">
@@ -8256,7 +8059,7 @@
                   <a:prstGeom prst="rect">
                     <a:avLst/>
                   </a:prstGeom>
-                  <a:grpFill/>
+                  <a:noFill/>
                 </p:spPr>
                 <p:txBody>
                   <a:bodyPr wrap="square" rtlCol="0">
@@ -8705,7 +8508,11 @@
                   <a:gd name="adj" fmla="val 3415"/>
                 </a:avLst>
               </a:prstGeom>
-              <a:grpFill/>
+              <a:solidFill>
+                <a:srgbClr val="002F87">
+                  <a:alpha val="85000"/>
+                </a:srgbClr>
+              </a:solidFill>
               <a:ln w="127000">
                 <a:solidFill>
                   <a:srgbClr val="E7E200"/>
@@ -8799,7 +8606,7 @@
               <a:prstGeom prst="rect">
                 <a:avLst/>
               </a:prstGeom>
-              <a:grpFill/>
+              <a:noFill/>
             </p:spPr>
             <p:txBody>
               <a:bodyPr wrap="square" rtlCol="0">
@@ -8838,7 +8645,7 @@
               <a:prstGeom prst="rect">
                 <a:avLst/>
               </a:prstGeom>
-              <a:grpFill/>
+              <a:noFill/>
             </p:spPr>
             <p:txBody>
               <a:bodyPr wrap="square" rtlCol="0">
@@ -8933,7 +8740,9 @@
             <a:chExt cx="14135695" cy="23199720"/>
           </a:xfrm>
           <a:solidFill>
-            <a:srgbClr val="002F87"/>
+            <a:srgbClr val="002F87">
+              <a:alpha val="85000"/>
+            </a:srgbClr>
           </a:solidFill>
         </p:grpSpPr>
         <p:grpSp>
@@ -9031,7 +8840,7 @@
               <a:prstGeom prst="rect">
                 <a:avLst/>
               </a:prstGeom>
-              <a:grpFill/>
+              <a:noFill/>
             </p:spPr>
             <p:txBody>
               <a:bodyPr wrap="square" rtlCol="0">
@@ -9114,7 +8923,7 @@
               <a:prstGeom prst="rect">
                 <a:avLst/>
               </a:prstGeom>
-              <a:grpFill/>
+              <a:noFill/>
             </p:spPr>
             <p:txBody>
               <a:bodyPr wrap="square" rtlCol="0">
@@ -9278,7 +9087,7 @@
               <a:prstGeom prst="rect">
                 <a:avLst/>
               </a:prstGeom>
-              <a:grpFill/>
+              <a:noFill/>
             </p:spPr>
             <p:txBody>
               <a:bodyPr wrap="square" rtlCol="0">
@@ -9317,7 +9126,7 @@
               <a:prstGeom prst="rect">
                 <a:avLst/>
               </a:prstGeom>
-              <a:grpFill/>
+              <a:noFill/>
             </p:spPr>
             <p:txBody>
               <a:bodyPr wrap="square" rtlCol="0">
@@ -9568,6 +9377,319 @@
           </a:prstGeom>
         </p:spPr>
       </p:pic>
+      <p:grpSp>
+        <p:nvGrpSpPr>
+          <p:cNvPr id="2" name="Group 1">
+            <a:extLst>
+              <a:ext uri="{FF2B5EF4-FFF2-40B4-BE49-F238E27FC236}">
+                <a16:creationId xmlns:a16="http://schemas.microsoft.com/office/drawing/2014/main" id="{54F2FD61-2FE7-430F-80E7-F7C91907B5C0}"/>
+              </a:ext>
+            </a:extLst>
+          </p:cNvPr>
+          <p:cNvGrpSpPr/>
+          <p:nvPr/>
+        </p:nvGrpSpPr>
+        <p:grpSpPr>
+          <a:xfrm>
+            <a:off x="283629" y="241687"/>
+            <a:ext cx="49832692" cy="4541520"/>
+            <a:chOff x="283629" y="241687"/>
+            <a:chExt cx="49832692" cy="4541520"/>
+          </a:xfrm>
+        </p:grpSpPr>
+        <p:grpSp>
+          <p:nvGrpSpPr>
+            <p:cNvPr id="1055" name="Group 1054">
+              <a:extLst>
+                <a:ext uri="{FF2B5EF4-FFF2-40B4-BE49-F238E27FC236}">
+                  <a16:creationId xmlns:a16="http://schemas.microsoft.com/office/drawing/2014/main" id="{2803B3F3-5903-41FB-AFB0-A51DCD4241E7}"/>
+                </a:ext>
+              </a:extLst>
+            </p:cNvPr>
+            <p:cNvGrpSpPr/>
+            <p:nvPr/>
+          </p:nvGrpSpPr>
+          <p:grpSpPr>
+            <a:xfrm>
+              <a:off x="283629" y="241687"/>
+              <a:ext cx="49832692" cy="4541520"/>
+              <a:chOff x="283629" y="106680"/>
+              <a:chExt cx="49832692" cy="4541520"/>
+            </a:xfrm>
+            <a:solidFill>
+              <a:srgbClr val="002F87">
+                <a:alpha val="80000"/>
+              </a:srgbClr>
+            </a:solidFill>
+          </p:grpSpPr>
+          <p:grpSp>
+            <p:nvGrpSpPr>
+              <p:cNvPr id="8" name="Group 7">
+                <a:extLst>
+                  <a:ext uri="{FF2B5EF4-FFF2-40B4-BE49-F238E27FC236}">
+                    <a16:creationId xmlns:a16="http://schemas.microsoft.com/office/drawing/2014/main" id="{C93BD444-763D-47AD-B6AB-4A3AB8572D9D}"/>
+                  </a:ext>
+                </a:extLst>
+              </p:cNvPr>
+              <p:cNvGrpSpPr/>
+              <p:nvPr/>
+            </p:nvGrpSpPr>
+            <p:grpSpPr>
+              <a:xfrm>
+                <a:off x="283629" y="106680"/>
+                <a:ext cx="49832692" cy="4541520"/>
+                <a:chOff x="151805" y="106680"/>
+                <a:chExt cx="50096340" cy="4541520"/>
+              </a:xfrm>
+              <a:grpFill/>
+            </p:grpSpPr>
+            <p:sp>
+              <p:nvSpPr>
+                <p:cNvPr id="4" name="Rectangle: Rounded Corners 3">
+                  <a:extLst>
+                    <a:ext uri="{FF2B5EF4-FFF2-40B4-BE49-F238E27FC236}">
+                      <a16:creationId xmlns:a16="http://schemas.microsoft.com/office/drawing/2014/main" id="{69422479-9DBB-4253-AE77-EE13C4B2CBE8}"/>
+                    </a:ext>
+                  </a:extLst>
+                </p:cNvPr>
+                <p:cNvSpPr/>
+                <p:nvPr/>
+              </p:nvSpPr>
+              <p:spPr>
+                <a:xfrm>
+                  <a:off x="151805" y="106680"/>
+                  <a:ext cx="50096340" cy="4541520"/>
+                </a:xfrm>
+                <a:prstGeom prst="roundRect">
+                  <a:avLst>
+                    <a:gd name="adj" fmla="val 7159"/>
+                  </a:avLst>
+                </a:prstGeom>
+                <a:grpFill/>
+                <a:ln w="127000">
+                  <a:solidFill>
+                    <a:srgbClr val="E7E200"/>
+                  </a:solidFill>
+                </a:ln>
+              </p:spPr>
+              <p:style>
+                <a:lnRef idx="2">
+                  <a:schemeClr val="accent1">
+                    <a:shade val="50000"/>
+                  </a:schemeClr>
+                </a:lnRef>
+                <a:fillRef idx="1">
+                  <a:schemeClr val="accent1"/>
+                </a:fillRef>
+                <a:effectRef idx="0">
+                  <a:schemeClr val="accent1"/>
+                </a:effectRef>
+                <a:fontRef idx="minor">
+                  <a:schemeClr val="lt1"/>
+                </a:fontRef>
+              </p:style>
+              <p:txBody>
+                <a:bodyPr rtlCol="0" anchor="ctr"/>
+                <a:lstStyle/>
+                <a:p>
+                  <a:pPr algn="ctr"/>
+                  <a:endParaRPr lang="en-AU" dirty="0"/>
+                </a:p>
+              </p:txBody>
+            </p:sp>
+            <p:pic>
+              <p:nvPicPr>
+                <p:cNvPr id="7" name="Picture 6">
+                  <a:extLst>
+                    <a:ext uri="{FF2B5EF4-FFF2-40B4-BE49-F238E27FC236}">
+                      <a16:creationId xmlns:a16="http://schemas.microsoft.com/office/drawing/2014/main" id="{ED187611-8B9E-45A6-B469-F6A457C5B390}"/>
+                    </a:ext>
+                  </a:extLst>
+                </p:cNvPr>
+                <p:cNvPicPr>
+                  <a:picLocks noChangeAspect="1"/>
+                </p:cNvPicPr>
+                <p:nvPr/>
+              </p:nvPicPr>
+              <p:blipFill>
+                <a:blip r:embed="rId7"/>
+                <a:stretch>
+                  <a:fillRect/>
+                </a:stretch>
+              </p:blipFill>
+              <p:spPr>
+                <a:xfrm>
+                  <a:off x="1409106" y="754159"/>
+                  <a:ext cx="9677994" cy="3246562"/>
+                </a:xfrm>
+                <a:prstGeom prst="rect">
+                  <a:avLst/>
+                </a:prstGeom>
+                <a:noFill/>
+                <a:ln>
+                  <a:noFill/>
+                </a:ln>
+              </p:spPr>
+            </p:pic>
+          </p:grpSp>
+          <p:sp>
+            <p:nvSpPr>
+              <p:cNvPr id="9" name="TextBox 8">
+                <a:extLst>
+                  <a:ext uri="{FF2B5EF4-FFF2-40B4-BE49-F238E27FC236}">
+                    <a16:creationId xmlns:a16="http://schemas.microsoft.com/office/drawing/2014/main" id="{7BB02DC9-9C70-4B9C-A120-F8198A3EAC6E}"/>
+                  </a:ext>
+                </a:extLst>
+              </p:cNvPr>
+              <p:cNvSpPr txBox="1"/>
+              <p:nvPr/>
+            </p:nvSpPr>
+            <p:spPr>
+              <a:xfrm>
+                <a:off x="12344401" y="311555"/>
+                <a:ext cx="20878799" cy="2215991"/>
+              </a:xfrm>
+              <a:prstGeom prst="rect">
+                <a:avLst/>
+              </a:prstGeom>
+              <a:noFill/>
+              <a:ln>
+                <a:noFill/>
+              </a:ln>
+            </p:spPr>
+            <p:txBody>
+              <a:bodyPr wrap="square" rtlCol="0">
+                <a:spAutoFit/>
+              </a:bodyPr>
+              <a:lstStyle/>
+              <a:p>
+                <a:pPr>
+                  <a:spcBef>
+                    <a:spcPts val="1200"/>
+                  </a:spcBef>
+                </a:pPr>
+                <a:r>
+                  <a:rPr lang="en-AU" sz="13800" b="1" cap="small" dirty="0">
+                    <a:solidFill>
+                      <a:schemeClr val="bg1"/>
+                    </a:solidFill>
+                    <a:latin typeface="Arial Nova" panose="020B0504020202020204" pitchFamily="34" charset="0"/>
+                  </a:rPr>
+                  <a:t>Never Tell Me the Odds!</a:t>
+                </a:r>
+                <a:endParaRPr lang="en-AU" sz="6400" b="1" dirty="0">
+                  <a:solidFill>
+                    <a:schemeClr val="bg1"/>
+                  </a:solidFill>
+                  <a:latin typeface="Arial Nova" panose="020B0504020202020204" pitchFamily="34" charset="0"/>
+                </a:endParaRPr>
+              </a:p>
+            </p:txBody>
+          </p:sp>
+          <p:sp>
+            <p:nvSpPr>
+              <p:cNvPr id="10" name="Rectangle 9">
+                <a:extLst>
+                  <a:ext uri="{FF2B5EF4-FFF2-40B4-BE49-F238E27FC236}">
+                    <a16:creationId xmlns:a16="http://schemas.microsoft.com/office/drawing/2014/main" id="{903A08DE-2701-41CD-9948-68BB66D72EC6}"/>
+                  </a:ext>
+                </a:extLst>
+              </p:cNvPr>
+              <p:cNvSpPr/>
+              <p:nvPr/>
+            </p:nvSpPr>
+            <p:spPr>
+              <a:xfrm>
+                <a:off x="12344401" y="2427361"/>
+                <a:ext cx="32570056" cy="2062103"/>
+              </a:xfrm>
+              <a:prstGeom prst="rect">
+                <a:avLst/>
+              </a:prstGeom>
+              <a:noFill/>
+              <a:ln>
+                <a:noFill/>
+              </a:ln>
+            </p:spPr>
+            <p:txBody>
+              <a:bodyPr wrap="square">
+                <a:spAutoFit/>
+              </a:bodyPr>
+              <a:lstStyle/>
+              <a:p>
+                <a:r>
+                  <a:rPr lang="en-AU" sz="6400" dirty="0">
+                    <a:solidFill>
+                      <a:schemeClr val="bg1"/>
+                    </a:solidFill>
+                    <a:latin typeface="Arial Nova" panose="020B0504020202020204" pitchFamily="34" charset="0"/>
+                  </a:rPr>
+                  <a:t>What were the chances that the St. Louis Blues could go from Second-Last</a:t>
+                </a:r>
+              </a:p>
+              <a:p>
+                <a:r>
+                  <a:rPr lang="en-AU" sz="6400" dirty="0">
+                    <a:solidFill>
+                      <a:schemeClr val="bg1"/>
+                    </a:solidFill>
+                    <a:latin typeface="Arial Nova" panose="020B0504020202020204" pitchFamily="34" charset="0"/>
+                  </a:rPr>
+                  <a:t>to Winning the Stanley Cup?</a:t>
+                </a:r>
+                <a:endParaRPr lang="en-AU" sz="6400" dirty="0"/>
+              </a:p>
+            </p:txBody>
+          </p:sp>
+        </p:grpSp>
+        <p:pic>
+          <p:nvPicPr>
+            <p:cNvPr id="1026" name="Picture 2" descr="Image result for st louis blue">
+              <a:extLst>
+                <a:ext uri="{FF2B5EF4-FFF2-40B4-BE49-F238E27FC236}">
+                  <a16:creationId xmlns:a16="http://schemas.microsoft.com/office/drawing/2014/main" id="{4A90F874-9AB7-4251-B41E-E413F0CA9A8B}"/>
+                </a:ext>
+              </a:extLst>
+            </p:cNvPr>
+            <p:cNvPicPr>
+              <a:picLocks noChangeAspect="1" noChangeArrowheads="1"/>
+            </p:cNvPicPr>
+            <p:nvPr/>
+          </p:nvPicPr>
+          <p:blipFill>
+            <a:blip r:embed="rId8">
+              <a:extLst>
+                <a:ext uri="{28A0092B-C50C-407E-A947-70E740481C1C}">
+                  <a14:useLocalDpi xmlns:a14="http://schemas.microsoft.com/office/drawing/2010/main" val="0"/>
+                </a:ext>
+              </a:extLst>
+            </a:blip>
+            <a:srcRect/>
+            <a:stretch>
+              <a:fillRect/>
+            </a:stretch>
+          </p:blipFill>
+          <p:spPr bwMode="auto">
+            <a:xfrm>
+              <a:off x="43477512" y="612354"/>
+              <a:ext cx="4754002" cy="3799240"/>
+            </a:xfrm>
+            <a:prstGeom prst="rect">
+              <a:avLst/>
+            </a:prstGeom>
+            <a:noFill/>
+            <a:extLst>
+              <a:ext uri="{909E8E84-426E-40DD-AFC4-6F175D3DCCD1}">
+                <a14:hiddenFill xmlns:a14="http://schemas.microsoft.com/office/drawing/2010/main">
+                  <a:solidFill>
+                    <a:srgbClr val="FFFFFF"/>
+                  </a:solidFill>
+                </a14:hiddenFill>
+              </a:ext>
+            </a:extLst>
+          </p:spPr>
+        </p:pic>
+      </p:grpSp>
     </p:spTree>
     <p:extLst>
       <p:ext uri="{BB962C8B-B14F-4D97-AF65-F5344CB8AC3E}">

--- a/Project Poster.pptx
+++ b/Project Poster.pptx
@@ -243,7 +243,7 @@
           <a:p>
             <a:fld id="{9BFDB22C-9D85-4141-A83A-734D1007E787}" type="datetimeFigureOut">
               <a:rPr lang="en-AU" smtClean="0"/>
-              <a:t>27/06/2019</a:t>
+              <a:t>30/06/2019</a:t>
             </a:fld>
             <a:endParaRPr lang="en-AU"/>
           </a:p>
@@ -413,7 +413,7 @@
           <a:p>
             <a:fld id="{9BFDB22C-9D85-4141-A83A-734D1007E787}" type="datetimeFigureOut">
               <a:rPr lang="en-AU" smtClean="0"/>
-              <a:t>27/06/2019</a:t>
+              <a:t>30/06/2019</a:t>
             </a:fld>
             <a:endParaRPr lang="en-AU"/>
           </a:p>
@@ -593,7 +593,7 @@
           <a:p>
             <a:fld id="{9BFDB22C-9D85-4141-A83A-734D1007E787}" type="datetimeFigureOut">
               <a:rPr lang="en-AU" smtClean="0"/>
-              <a:t>27/06/2019</a:t>
+              <a:t>30/06/2019</a:t>
             </a:fld>
             <a:endParaRPr lang="en-AU"/>
           </a:p>
@@ -763,7 +763,7 @@
           <a:p>
             <a:fld id="{9BFDB22C-9D85-4141-A83A-734D1007E787}" type="datetimeFigureOut">
               <a:rPr lang="en-AU" smtClean="0"/>
-              <a:t>27/06/2019</a:t>
+              <a:t>30/06/2019</a:t>
             </a:fld>
             <a:endParaRPr lang="en-AU"/>
           </a:p>
@@ -1009,7 +1009,7 @@
           <a:p>
             <a:fld id="{9BFDB22C-9D85-4141-A83A-734D1007E787}" type="datetimeFigureOut">
               <a:rPr lang="en-AU" smtClean="0"/>
-              <a:t>27/06/2019</a:t>
+              <a:t>30/06/2019</a:t>
             </a:fld>
             <a:endParaRPr lang="en-AU"/>
           </a:p>
@@ -1241,7 +1241,7 @@
           <a:p>
             <a:fld id="{9BFDB22C-9D85-4141-A83A-734D1007E787}" type="datetimeFigureOut">
               <a:rPr lang="en-AU" smtClean="0"/>
-              <a:t>27/06/2019</a:t>
+              <a:t>30/06/2019</a:t>
             </a:fld>
             <a:endParaRPr lang="en-AU"/>
           </a:p>
@@ -1608,7 +1608,7 @@
           <a:p>
             <a:fld id="{9BFDB22C-9D85-4141-A83A-734D1007E787}" type="datetimeFigureOut">
               <a:rPr lang="en-AU" smtClean="0"/>
-              <a:t>27/06/2019</a:t>
+              <a:t>30/06/2019</a:t>
             </a:fld>
             <a:endParaRPr lang="en-AU"/>
           </a:p>
@@ -1726,7 +1726,7 @@
           <a:p>
             <a:fld id="{9BFDB22C-9D85-4141-A83A-734D1007E787}" type="datetimeFigureOut">
               <a:rPr lang="en-AU" smtClean="0"/>
-              <a:t>27/06/2019</a:t>
+              <a:t>30/06/2019</a:t>
             </a:fld>
             <a:endParaRPr lang="en-AU"/>
           </a:p>
@@ -1821,7 +1821,7 @@
           <a:p>
             <a:fld id="{9BFDB22C-9D85-4141-A83A-734D1007E787}" type="datetimeFigureOut">
               <a:rPr lang="en-AU" smtClean="0"/>
-              <a:t>27/06/2019</a:t>
+              <a:t>30/06/2019</a:t>
             </a:fld>
             <a:endParaRPr lang="en-AU"/>
           </a:p>
@@ -2098,7 +2098,7 @@
           <a:p>
             <a:fld id="{9BFDB22C-9D85-4141-A83A-734D1007E787}" type="datetimeFigureOut">
               <a:rPr lang="en-AU" smtClean="0"/>
-              <a:t>27/06/2019</a:t>
+              <a:t>30/06/2019</a:t>
             </a:fld>
             <a:endParaRPr lang="en-AU"/>
           </a:p>
@@ -2355,7 +2355,7 @@
           <a:p>
             <a:fld id="{9BFDB22C-9D85-4141-A83A-734D1007E787}" type="datetimeFigureOut">
               <a:rPr lang="en-AU" smtClean="0"/>
-              <a:t>27/06/2019</a:t>
+              <a:t>30/06/2019</a:t>
             </a:fld>
             <a:endParaRPr lang="en-AU"/>
           </a:p>
@@ -2568,7 +2568,7 @@
           <a:p>
             <a:fld id="{9BFDB22C-9D85-4141-A83A-734D1007E787}" type="datetimeFigureOut">
               <a:rPr lang="en-AU" smtClean="0"/>
-              <a:t>27/06/2019</a:t>
+              <a:t>30/06/2019</a:t>
             </a:fld>
             <a:endParaRPr lang="en-AU"/>
           </a:p>
@@ -3001,10 +3001,10 @@
         </p:nvGrpSpPr>
         <p:grpSpPr>
           <a:xfrm>
-            <a:off x="283629" y="5153287"/>
-            <a:ext cx="16344957" cy="23210133"/>
-            <a:chOff x="151805" y="5153287"/>
-            <a:chExt cx="16344957" cy="23210133"/>
+            <a:off x="283629" y="5153288"/>
+            <a:ext cx="16344957" cy="22204146"/>
+            <a:chOff x="151805" y="5153288"/>
+            <a:chExt cx="16344957" cy="22204146"/>
           </a:xfrm>
           <a:solidFill>
             <a:srgbClr val="002F87">
@@ -3026,10 +3026,10 @@
           </p:nvGrpSpPr>
           <p:grpSpPr>
             <a:xfrm>
-              <a:off x="151805" y="5153287"/>
-              <a:ext cx="16344957" cy="23210133"/>
-              <a:chOff x="151805" y="5153287"/>
-              <a:chExt cx="14168253" cy="23210133"/>
+              <a:off x="151805" y="5153288"/>
+              <a:ext cx="16344957" cy="22204146"/>
+              <a:chOff x="151805" y="5153288"/>
+              <a:chExt cx="14168253" cy="22204146"/>
             </a:xfrm>
             <a:grpFill/>
           </p:grpSpPr>
@@ -3047,10 +3047,10 @@
             </p:nvGrpSpPr>
             <p:grpSpPr>
               <a:xfrm>
-                <a:off x="151805" y="5153287"/>
-                <a:ext cx="14168253" cy="23210133"/>
-                <a:chOff x="151805" y="5153287"/>
-                <a:chExt cx="14168253" cy="23210133"/>
+                <a:off x="151805" y="5153288"/>
+                <a:ext cx="14168253" cy="22204146"/>
+                <a:chOff x="151805" y="5153288"/>
+                <a:chExt cx="14168253" cy="22204146"/>
               </a:xfrm>
               <a:grpFill/>
             </p:grpSpPr>
@@ -3068,10 +3068,10 @@
               </p:nvGrpSpPr>
               <p:grpSpPr>
                 <a:xfrm>
-                  <a:off x="151805" y="5153287"/>
-                  <a:ext cx="14135693" cy="10513433"/>
-                  <a:chOff x="151805" y="5153287"/>
-                  <a:chExt cx="14135695" cy="10513433"/>
+                  <a:off x="151805" y="5153288"/>
+                  <a:ext cx="14135693" cy="9454076"/>
+                  <a:chOff x="151805" y="5153288"/>
+                  <a:chExt cx="14135695" cy="9454076"/>
                 </a:xfrm>
                 <a:grpFill/>
               </p:grpSpPr>
@@ -3089,8 +3089,8 @@
                 </p:nvSpPr>
                 <p:spPr>
                   <a:xfrm>
-                    <a:off x="151805" y="5153287"/>
-                    <a:ext cx="14135695" cy="10513433"/>
+                    <a:off x="151805" y="5153288"/>
+                    <a:ext cx="14135695" cy="9454076"/>
                   </a:xfrm>
                   <a:prstGeom prst="roundRect">
                     <a:avLst>
@@ -3227,7 +3227,7 @@
                 <p:spPr>
                   <a:xfrm>
                     <a:off x="494704" y="6933205"/>
-                    <a:ext cx="13480376" cy="8433078"/>
+                    <a:ext cx="13480376" cy="7594387"/>
                   </a:xfrm>
                   <a:prstGeom prst="rect">
                     <a:avLst/>
@@ -3246,14 +3246,14 @@
                       </a:spcAft>
                     </a:pPr>
                     <a:r>
-                      <a:rPr lang="en-AU" sz="3200" dirty="0">
+                      <a:rPr lang="en-AU" sz="3050" dirty="0">
                         <a:solidFill>
                           <a:schemeClr val="bg1"/>
                         </a:solidFill>
                         <a:latin typeface="Arial Nova" panose="020B0504020202020204" pitchFamily="34" charset="0"/>
                         <a:cs typeface="Arial" panose="020B0604020202020204" pitchFamily="34" charset="0"/>
                       </a:rPr>
-                      <a:t>The National Hockey League comprised 31 teams in the 2018/19 season. The St. Louis Blues, based out of Missouri, were the team that took home the Stanley Cup after the long playoffs series.</a:t>
+                      <a:t>The National Hockey League comprised 31 teams in the 2018-2019 season. The St. Louis Blues, based out of Missouri, were the team that took home the Stanley Cup after the long playoffs series.</a:t>
                     </a:r>
                   </a:p>
                   <a:p>
@@ -3263,7 +3263,7 @@
                       </a:spcAft>
                     </a:pPr>
                     <a:r>
-                      <a:rPr lang="en-AU" sz="3200" dirty="0">
+                      <a:rPr lang="en-AU" sz="3050" dirty="0">
                         <a:solidFill>
                           <a:schemeClr val="bg1"/>
                         </a:solidFill>
@@ -3273,7 +3273,7 @@
                       <a:t>What made the St. Louis Blues winning the Stanley Cup so exceptional was that they were ranked 30</a:t>
                     </a:r>
                     <a:r>
-                      <a:rPr lang="en-AU" sz="3200" baseline="30000" dirty="0">
+                      <a:rPr lang="en-AU" sz="3050" baseline="30000" dirty="0">
                         <a:solidFill>
                           <a:schemeClr val="bg1"/>
                         </a:solidFill>
@@ -3283,7 +3283,7 @@
                       <a:t>th</a:t>
                     </a:r>
                     <a:r>
-                      <a:rPr lang="en-AU" sz="3200" dirty="0">
+                      <a:rPr lang="en-AU" sz="3050" dirty="0">
                         <a:solidFill>
                           <a:schemeClr val="bg1"/>
                         </a:solidFill>
@@ -3293,7 +3293,7 @@
                       <a:t> out of 31 teams in the League after their 25</a:t>
                     </a:r>
                     <a:r>
-                      <a:rPr lang="en-AU" sz="3200" baseline="30000" dirty="0">
+                      <a:rPr lang="en-AU" sz="3050" baseline="30000" dirty="0">
                         <a:solidFill>
                           <a:schemeClr val="bg1"/>
                         </a:solidFill>
@@ -3303,7 +3303,7 @@
                       <a:t>th</a:t>
                     </a:r>
                     <a:r>
-                      <a:rPr lang="en-AU" sz="3200" dirty="0">
+                      <a:rPr lang="en-AU" sz="3050" dirty="0">
                         <a:solidFill>
                           <a:schemeClr val="bg1"/>
                         </a:solidFill>
@@ -3313,7 +3313,7 @@
                       <a:t> game, which was 14</a:t>
                     </a:r>
                     <a:r>
-                      <a:rPr lang="en-AU" sz="3200" baseline="30000" dirty="0">
+                      <a:rPr lang="en-AU" sz="3050" baseline="30000" dirty="0">
                         <a:solidFill>
                           <a:schemeClr val="bg1"/>
                         </a:solidFill>
@@ -3323,7 +3323,7 @@
                       <a:t>th</a:t>
                     </a:r>
                     <a:r>
-                      <a:rPr lang="en-AU" sz="3200" dirty="0">
+                      <a:rPr lang="en-AU" sz="3050" dirty="0">
                         <a:solidFill>
                           <a:schemeClr val="bg1"/>
                         </a:solidFill>
@@ -3333,7 +3333,7 @@
                       <a:t> out of 15 in the Western Conference and 7</a:t>
                     </a:r>
                     <a:r>
-                      <a:rPr lang="en-AU" sz="3200" baseline="30000" dirty="0">
+                      <a:rPr lang="en-AU" sz="3050" baseline="30000" dirty="0">
                         <a:solidFill>
                           <a:schemeClr val="bg1"/>
                         </a:solidFill>
@@ -3343,7 +3343,7 @@
                       <a:t>th</a:t>
                     </a:r>
                     <a:r>
-                      <a:rPr lang="en-AU" sz="3200" dirty="0">
+                      <a:rPr lang="en-AU" sz="3050" dirty="0">
                         <a:solidFill>
                           <a:schemeClr val="bg1"/>
                         </a:solidFill>
@@ -3353,7 +3353,7 @@
                       <a:t> out of 7 in the Central Division. From this point, the Blues managed to turn around their season to make it to the playoffs and eventually won the Stanley Cup. By their 50</a:t>
                     </a:r>
                     <a:r>
-                      <a:rPr lang="en-AU" sz="3200" baseline="30000" dirty="0">
+                      <a:rPr lang="en-AU" sz="3050" baseline="30000" dirty="0">
                         <a:solidFill>
                           <a:schemeClr val="bg1"/>
                         </a:solidFill>
@@ -3363,7 +3363,7 @@
                       <a:t>th</a:t>
                     </a:r>
                     <a:r>
-                      <a:rPr lang="en-AU" sz="3200" dirty="0">
+                      <a:rPr lang="en-AU" sz="3050" dirty="0">
                         <a:solidFill>
                           <a:schemeClr val="bg1"/>
                         </a:solidFill>
@@ -3373,7 +3373,7 @@
                       <a:t> game they were ranked 20</a:t>
                     </a:r>
                     <a:r>
-                      <a:rPr lang="en-AU" sz="3200" baseline="30000" dirty="0">
+                      <a:rPr lang="en-AU" sz="3050" baseline="30000" dirty="0">
                         <a:solidFill>
                           <a:schemeClr val="bg1"/>
                         </a:solidFill>
@@ -3383,7 +3383,7 @@
                       <a:t>th</a:t>
                     </a:r>
                     <a:r>
-                      <a:rPr lang="en-AU" sz="3200" dirty="0">
+                      <a:rPr lang="en-AU" sz="3050" dirty="0">
                         <a:solidFill>
                           <a:schemeClr val="bg1"/>
                         </a:solidFill>
@@ -3393,7 +3393,7 @@
                       <a:t> in the League, 10</a:t>
                     </a:r>
                     <a:r>
-                      <a:rPr lang="en-AU" sz="3200" baseline="30000" dirty="0">
+                      <a:rPr lang="en-AU" sz="3050" baseline="30000" dirty="0">
                         <a:solidFill>
                           <a:schemeClr val="bg1"/>
                         </a:solidFill>
@@ -3403,7 +3403,7 @@
                       <a:t>th</a:t>
                     </a:r>
                     <a:r>
-                      <a:rPr lang="en-AU" sz="3200" dirty="0">
+                      <a:rPr lang="en-AU" sz="3050" dirty="0">
                         <a:solidFill>
                           <a:schemeClr val="bg1"/>
                         </a:solidFill>
@@ -3413,7 +3413,7 @@
                       <a:t> in Conference, and 6</a:t>
                     </a:r>
                     <a:r>
-                      <a:rPr lang="en-AU" sz="3200" baseline="30000" dirty="0">
+                      <a:rPr lang="en-AU" sz="3050" baseline="30000" dirty="0">
                         <a:solidFill>
                           <a:schemeClr val="bg1"/>
                         </a:solidFill>
@@ -3423,7 +3423,7 @@
                       <a:t>th</a:t>
                     </a:r>
                     <a:r>
-                      <a:rPr lang="en-AU" sz="3200" dirty="0">
+                      <a:rPr lang="en-AU" sz="3050" dirty="0">
                         <a:solidFill>
                           <a:schemeClr val="bg1"/>
                         </a:solidFill>
@@ -3433,7 +3433,7 @@
                       <a:t> in Division. By the end of the regular season, 82 games, they clinched a playoffs position from 3</a:t>
                     </a:r>
                     <a:r>
-                      <a:rPr lang="en-AU" sz="3200" baseline="30000" dirty="0">
+                      <a:rPr lang="en-AU" sz="3050" baseline="30000" dirty="0">
                         <a:solidFill>
                           <a:schemeClr val="bg1"/>
                         </a:solidFill>
@@ -3443,7 +3443,7 @@
                       <a:t>rd</a:t>
                     </a:r>
                     <a:r>
-                      <a:rPr lang="en-AU" sz="3200" dirty="0">
+                      <a:rPr lang="en-AU" sz="3050" dirty="0">
                         <a:solidFill>
                           <a:schemeClr val="bg1"/>
                         </a:solidFill>
@@ -3453,7 +3453,7 @@
                       <a:t> in the Division, 5</a:t>
                     </a:r>
                     <a:r>
-                      <a:rPr lang="en-AU" sz="3200" baseline="30000" dirty="0">
+                      <a:rPr lang="en-AU" sz="3050" baseline="30000" dirty="0">
                         <a:solidFill>
                           <a:schemeClr val="bg1"/>
                         </a:solidFill>
@@ -3463,7 +3463,7 @@
                       <a:t>th</a:t>
                     </a:r>
                     <a:r>
-                      <a:rPr lang="en-AU" sz="3200" dirty="0">
+                      <a:rPr lang="en-AU" sz="3050" dirty="0">
                         <a:solidFill>
                           <a:schemeClr val="bg1"/>
                         </a:solidFill>
@@ -3473,7 +3473,7 @@
                       <a:t> in Conference, and 11</a:t>
                     </a:r>
                     <a:r>
-                      <a:rPr lang="en-AU" sz="3200" baseline="30000" dirty="0">
+                      <a:rPr lang="en-AU" sz="3050" baseline="30000" dirty="0">
                         <a:solidFill>
                           <a:schemeClr val="bg1"/>
                         </a:solidFill>
@@ -3483,7 +3483,7 @@
                       <a:t>th</a:t>
                     </a:r>
                     <a:r>
-                      <a:rPr lang="en-AU" sz="3200" dirty="0">
+                      <a:rPr lang="en-AU" sz="3050" dirty="0">
                         <a:solidFill>
                           <a:schemeClr val="bg1"/>
                         </a:solidFill>
@@ -3500,7 +3500,7 @@
                       </a:spcAft>
                     </a:pPr>
                     <a:r>
-                      <a:rPr lang="en-AU" sz="3200" dirty="0">
+                      <a:rPr lang="en-AU" sz="3050" dirty="0">
                         <a:solidFill>
                           <a:schemeClr val="bg1"/>
                         </a:solidFill>
@@ -3509,13 +3509,6 @@
                       </a:rPr>
                       <a:t>But exactly how unlikely was this turn around? After games 25 and 50, what were the St Louis Blues chances of making it to the playoffs and eventually winning the Stanley Cup? How does this compare to their chances at the end of the season? What were the chances of the St Louis Blues winning the Stanley Cup after games 25 and 50? Did this change compared to game 82?</a:t>
                     </a:r>
-                    <a:endParaRPr lang="en-AU" sz="3600" dirty="0">
-                      <a:solidFill>
-                        <a:schemeClr val="bg1"/>
-                      </a:solidFill>
-                      <a:latin typeface="Arial Nova" panose="020B0504020202020204" pitchFamily="34" charset="0"/>
-                      <a:cs typeface="Arial" panose="020B0604020202020204" pitchFamily="34" charset="0"/>
-                    </a:endParaRPr>
                   </a:p>
                 </p:txBody>
               </p:sp>
@@ -3534,9 +3527,9 @@
               </p:nvGrpSpPr>
               <p:grpSpPr>
                 <a:xfrm>
-                  <a:off x="151805" y="16017209"/>
+                  <a:off x="151805" y="15011223"/>
                   <a:ext cx="14168253" cy="12346211"/>
-                  <a:chOff x="94653" y="16017209"/>
+                  <a:chOff x="94653" y="15011223"/>
                   <a:chExt cx="14168257" cy="12346211"/>
                 </a:xfrm>
                 <a:grpFill/>
@@ -3555,7 +3548,7 @@
                 </p:nvSpPr>
                 <p:spPr>
                   <a:xfrm>
-                    <a:off x="127215" y="16017209"/>
+                    <a:off x="127215" y="15011223"/>
                     <a:ext cx="14135695" cy="12346211"/>
                   </a:xfrm>
                   <a:prstGeom prst="roundRect">
@@ -3615,7 +3608,7 @@
                 </p:nvCxnSpPr>
                 <p:spPr>
                   <a:xfrm>
-                    <a:off x="94653" y="17240250"/>
+                    <a:off x="94653" y="16280934"/>
                     <a:ext cx="14135695" cy="0"/>
                   </a:xfrm>
                   <a:prstGeom prst="line">
@@ -3657,7 +3650,7 @@
                 </p:nvSpPr>
                 <p:spPr>
                   <a:xfrm>
-                    <a:off x="494702" y="16152315"/>
+                    <a:off x="494702" y="15192999"/>
                     <a:ext cx="13335595" cy="830997"/>
                   </a:xfrm>
                   <a:prstGeom prst="rect">
@@ -3699,8 +3692,8 @@
                 </p:nvSpPr>
                 <p:spPr>
                   <a:xfrm>
-                    <a:off x="494704" y="17650681"/>
-                    <a:ext cx="13480376" cy="4262705"/>
+                    <a:off x="494704" y="16691365"/>
+                    <a:ext cx="13480376" cy="4078039"/>
                   </a:xfrm>
                   <a:prstGeom prst="rect">
                     <a:avLst/>
@@ -3719,7 +3712,7 @@
                       </a:spcAft>
                     </a:pPr>
                     <a:r>
-                      <a:rPr lang="en-AU" sz="3200" dirty="0">
+                      <a:rPr lang="en-AU" sz="3050" dirty="0">
                         <a:solidFill>
                           <a:schemeClr val="bg1"/>
                         </a:solidFill>
@@ -3735,7 +3728,7 @@
                       </a:spcAft>
                     </a:pPr>
                     <a:r>
-                      <a:rPr lang="en-AU" sz="3200" dirty="0">
+                      <a:rPr lang="en-AU" sz="3050" dirty="0">
                         <a:solidFill>
                           <a:schemeClr val="bg1"/>
                         </a:solidFill>
@@ -3743,12 +3736,6 @@
                       </a:rPr>
                       <a:t>The NHL finals series brings together the two conferences within the League; Western and Eastern. The winners of the playoffs series within each conference then play each other in the Stanley Cup finals series. In each finals matchup, both teams play up to seven games, with the team to reach 4 wins progressing to the next stage.</a:t>
                     </a:r>
-                    <a:endParaRPr lang="en-AU" sz="3600" dirty="0">
-                      <a:solidFill>
-                        <a:schemeClr val="bg1"/>
-                      </a:solidFill>
-                      <a:latin typeface="Arial Nova" panose="020B0504020202020204" pitchFamily="34" charset="0"/>
-                    </a:endParaRPr>
                   </a:p>
                 </p:txBody>
               </p:sp>
@@ -3768,10 +3755,10 @@
             </p:nvGrpSpPr>
             <p:grpSpPr>
               <a:xfrm>
-                <a:off x="384511" y="22405827"/>
-                <a:ext cx="13670281" cy="5667381"/>
-                <a:chOff x="384511" y="22405827"/>
-                <a:chExt cx="13670281" cy="5667381"/>
+                <a:off x="384511" y="21474827"/>
+                <a:ext cx="13670281" cy="5696225"/>
+                <a:chOff x="384511" y="21474827"/>
+                <a:chExt cx="13670281" cy="5696225"/>
               </a:xfrm>
               <a:grpFill/>
             </p:grpSpPr>
@@ -3789,10 +3776,10 @@
               </p:nvGrpSpPr>
               <p:grpSpPr>
                 <a:xfrm>
-                  <a:off x="384511" y="22405827"/>
-                  <a:ext cx="13670281" cy="5667381"/>
-                  <a:chOff x="384511" y="22405827"/>
-                  <a:chExt cx="13670281" cy="5667381"/>
+                  <a:off x="384511" y="21474827"/>
+                  <a:ext cx="13670281" cy="5696225"/>
+                  <a:chOff x="384511" y="21474827"/>
+                  <a:chExt cx="13670281" cy="5696225"/>
                 </a:xfrm>
                 <a:grpFill/>
               </p:grpSpPr>
@@ -3810,10 +3797,10 @@
                 </p:nvGrpSpPr>
                 <p:grpSpPr>
                   <a:xfrm>
-                    <a:off x="384511" y="22926463"/>
-                    <a:ext cx="13670281" cy="5146745"/>
-                    <a:chOff x="239438" y="22405031"/>
-                    <a:chExt cx="13590859" cy="5146745"/>
+                    <a:off x="384511" y="21995463"/>
+                    <a:ext cx="13670281" cy="5175589"/>
+                    <a:chOff x="239438" y="21474031"/>
+                    <a:chExt cx="13590859" cy="5175589"/>
                   </a:xfrm>
                   <a:grpFill/>
                 </p:grpSpPr>
@@ -3831,10 +3818,10 @@
                   </p:nvGrpSpPr>
                   <p:grpSpPr>
                     <a:xfrm>
-                      <a:off x="6207529" y="22405031"/>
-                      <a:ext cx="7622768" cy="5146745"/>
-                      <a:chOff x="6207529" y="22405031"/>
-                      <a:chExt cx="7622768" cy="5146745"/>
+                      <a:off x="7834685" y="21474031"/>
+                      <a:ext cx="5995612" cy="5146745"/>
+                      <a:chOff x="7834685" y="21474031"/>
+                      <a:chExt cx="5995612" cy="5146745"/>
                     </a:xfrm>
                     <a:grpFill/>
                   </p:grpSpPr>
@@ -3852,10 +3839,10 @@
                     </p:nvGrpSpPr>
                     <p:grpSpPr>
                       <a:xfrm>
-                        <a:off x="6207529" y="22405031"/>
-                        <a:ext cx="7622768" cy="5146745"/>
-                        <a:chOff x="6207529" y="22405031"/>
-                        <a:chExt cx="7622768" cy="5146745"/>
+                        <a:off x="8250586" y="21474031"/>
+                        <a:ext cx="5579711" cy="5146745"/>
+                        <a:chOff x="8250586" y="21474031"/>
+                        <a:chExt cx="5579711" cy="5146745"/>
                       </a:xfrm>
                       <a:grpFill/>
                     </p:grpSpPr>
@@ -3873,10 +3860,10 @@
                       </p:nvGrpSpPr>
                       <p:grpSpPr>
                         <a:xfrm>
-                          <a:off x="6207529" y="22405031"/>
-                          <a:ext cx="7622768" cy="2886149"/>
-                          <a:chOff x="6207529" y="22405031"/>
-                          <a:chExt cx="7622768" cy="2886149"/>
+                          <a:off x="8250586" y="21474031"/>
+                          <a:ext cx="5579711" cy="2886153"/>
+                          <a:chOff x="8250586" y="21474031"/>
+                          <a:chExt cx="5579711" cy="2886153"/>
                         </a:xfrm>
                         <a:grpFill/>
                       </p:grpSpPr>
@@ -3894,10 +3881,10 @@
                         </p:nvGrpSpPr>
                         <p:grpSpPr>
                           <a:xfrm>
-                            <a:off x="6207529" y="22405031"/>
-                            <a:ext cx="7622768" cy="2886149"/>
-                            <a:chOff x="6207529" y="22405031"/>
-                            <a:chExt cx="7622768" cy="2886149"/>
+                            <a:off x="8250586" y="21474031"/>
+                            <a:ext cx="5579711" cy="2886153"/>
+                            <a:chOff x="8250586" y="21474031"/>
+                            <a:chExt cx="5579711" cy="2886153"/>
                           </a:xfrm>
                           <a:grpFill/>
                         </p:grpSpPr>
@@ -3915,10 +3902,10 @@
                           </p:nvGrpSpPr>
                           <p:grpSpPr>
                             <a:xfrm>
-                              <a:off x="6207529" y="22405031"/>
-                              <a:ext cx="7622768" cy="2886149"/>
-                              <a:chOff x="6207529" y="22405031"/>
-                              <a:chExt cx="7622768" cy="2886149"/>
+                              <a:off x="8250586" y="21474031"/>
+                              <a:ext cx="5579711" cy="2886153"/>
+                              <a:chOff x="8250586" y="21474031"/>
+                              <a:chExt cx="5579711" cy="2886153"/>
                             </a:xfrm>
                             <a:grpFill/>
                           </p:grpSpPr>
@@ -3936,134 +3923,13 @@
                             </p:nvGrpSpPr>
                             <p:grpSpPr>
                               <a:xfrm>
-                                <a:off x="6207529" y="23188229"/>
-                                <a:ext cx="5592586" cy="2102951"/>
-                                <a:chOff x="6207527" y="23096187"/>
-                                <a:chExt cx="7062158" cy="2516609"/>
+                                <a:off x="8250586" y="22257216"/>
+                                <a:ext cx="3549529" cy="2102968"/>
+                                <a:chOff x="8787441" y="21982047"/>
+                                <a:chExt cx="4482244" cy="2516630"/>
                               </a:xfrm>
                               <a:grpFill/>
                             </p:grpSpPr>
-                            <p:grpSp>
-                              <p:nvGrpSpPr>
-                                <p:cNvPr id="31" name="Group 30">
-                                  <a:extLst>
-                                    <a:ext uri="{FF2B5EF4-FFF2-40B4-BE49-F238E27FC236}">
-                                      <a16:creationId xmlns:a16="http://schemas.microsoft.com/office/drawing/2014/main" id="{C582A386-0E16-408C-84CE-6CDF2026160B}"/>
-                                    </a:ext>
-                                  </a:extLst>
-                                </p:cNvPr>
-                                <p:cNvGrpSpPr/>
-                                <p:nvPr/>
-                              </p:nvGrpSpPr>
-                              <p:grpSpPr>
-                                <a:xfrm>
-                                  <a:off x="6207527" y="24675544"/>
-                                  <a:ext cx="2054730" cy="937252"/>
-                                  <a:chOff x="5808863" y="24206918"/>
-                                  <a:chExt cx="2852058" cy="1273629"/>
-                                </a:xfrm>
-                                <a:grpFill/>
-                              </p:grpSpPr>
-                              <p:sp>
-                                <p:nvSpPr>
-                                  <p:cNvPr id="27" name="Rectangle: Rounded Corners 26">
-                                    <a:extLst>
-                                      <a:ext uri="{FF2B5EF4-FFF2-40B4-BE49-F238E27FC236}">
-                                        <a16:creationId xmlns:a16="http://schemas.microsoft.com/office/drawing/2014/main" id="{83086B99-9F96-4C4F-B34E-88A0CDCBA4CD}"/>
-                                      </a:ext>
-                                    </a:extLst>
-                                  </p:cNvPr>
-                                  <p:cNvSpPr/>
-                                  <p:nvPr/>
-                                </p:nvSpPr>
-                                <p:spPr>
-                                  <a:xfrm>
-                                    <a:off x="5808863" y="24206918"/>
-                                    <a:ext cx="2852058" cy="1273629"/>
-                                  </a:xfrm>
-                                  <a:prstGeom prst="roundRect">
-                                    <a:avLst>
-                                      <a:gd name="adj" fmla="val 10684"/>
-                                    </a:avLst>
-                                  </a:prstGeom>
-                                  <a:grpFill/>
-                                  <a:ln w="38100">
-                                    <a:solidFill>
-                                      <a:srgbClr val="E7E200"/>
-                                    </a:solidFill>
-                                  </a:ln>
-                                </p:spPr>
-                                <p:style>
-                                  <a:lnRef idx="2">
-                                    <a:schemeClr val="accent1">
-                                      <a:shade val="50000"/>
-                                    </a:schemeClr>
-                                  </a:lnRef>
-                                  <a:fillRef idx="1">
-                                    <a:schemeClr val="accent1"/>
-                                  </a:fillRef>
-                                  <a:effectRef idx="0">
-                                    <a:schemeClr val="accent1"/>
-                                  </a:effectRef>
-                                  <a:fontRef idx="minor">
-                                    <a:schemeClr val="lt1"/>
-                                  </a:fontRef>
-                                </p:style>
-                                <p:txBody>
-                                  <a:bodyPr rtlCol="0" anchor="ctr"/>
-                                  <a:lstStyle/>
-                                  <a:p>
-                                    <a:pPr algn="ctr"/>
-                                    <a:endParaRPr lang="en-AU"/>
-                                  </a:p>
-                                </p:txBody>
-                              </p:sp>
-                              <p:cxnSp>
-                                <p:nvCxnSpPr>
-                                  <p:cNvPr id="29" name="Straight Connector 28">
-                                    <a:extLst>
-                                      <a:ext uri="{FF2B5EF4-FFF2-40B4-BE49-F238E27FC236}">
-                                        <a16:creationId xmlns:a16="http://schemas.microsoft.com/office/drawing/2014/main" id="{BA9FD50C-E988-4259-AEFB-5BCFD5951348}"/>
-                                      </a:ext>
-                                    </a:extLst>
-                                  </p:cNvPr>
-                                  <p:cNvCxnSpPr>
-                                    <a:stCxn id="27" idx="1"/>
-                                    <a:endCxn id="27" idx="3"/>
-                                  </p:cNvCxnSpPr>
-                                  <p:nvPr/>
-                                </p:nvCxnSpPr>
-                                <p:spPr>
-                                  <a:xfrm>
-                                    <a:off x="5808863" y="24843733"/>
-                                    <a:ext cx="2852058" cy="0"/>
-                                  </a:xfrm>
-                                  <a:prstGeom prst="line">
-                                    <a:avLst/>
-                                  </a:prstGeom>
-                                  <a:grpFill/>
-                                  <a:ln w="38100">
-                                    <a:solidFill>
-                                      <a:srgbClr val="E7E200"/>
-                                    </a:solidFill>
-                                  </a:ln>
-                                </p:spPr>
-                                <p:style>
-                                  <a:lnRef idx="1">
-                                    <a:schemeClr val="accent1"/>
-                                  </a:lnRef>
-                                  <a:fillRef idx="0">
-                                    <a:schemeClr val="accent1"/>
-                                  </a:fillRef>
-                                  <a:effectRef idx="0">
-                                    <a:schemeClr val="accent1"/>
-                                  </a:effectRef>
-                                  <a:fontRef idx="minor">
-                                    <a:schemeClr val="tx1"/>
-                                  </a:fontRef>
-                                </p:style>
-                              </p:cxnSp>
-                            </p:grpSp>
                             <p:grpSp>
                               <p:nvGrpSpPr>
                                 <p:cNvPr id="35" name="Group 34">
@@ -4078,10 +3944,10 @@
                               </p:nvGrpSpPr>
                               <p:grpSpPr>
                                 <a:xfrm>
-                                  <a:off x="8787441" y="24675544"/>
-                                  <a:ext cx="2054730" cy="937252"/>
-                                  <a:chOff x="5808863" y="24206918"/>
-                                  <a:chExt cx="2852058" cy="1273629"/>
+                                  <a:off x="8787441" y="23561423"/>
+                                  <a:ext cx="2054730" cy="937254"/>
+                                  <a:chOff x="5808863" y="22692930"/>
+                                  <a:chExt cx="2852058" cy="1273631"/>
                                 </a:xfrm>
                                 <a:grpFill/>
                               </p:grpSpPr>
@@ -4099,8 +3965,8 @@
                                 </p:nvSpPr>
                                 <p:spPr>
                                   <a:xfrm>
-                                    <a:off x="5808863" y="24206918"/>
-                                    <a:ext cx="2852058" cy="1273629"/>
+                                    <a:off x="5808863" y="22692930"/>
+                                    <a:ext cx="2852058" cy="1273631"/>
                                   </a:xfrm>
                                   <a:prstGeom prst="roundRect">
                                     <a:avLst>
@@ -4160,7 +4026,7 @@
                                 </p:nvCxnSpPr>
                                 <p:spPr>
                                   <a:xfrm>
-                                    <a:off x="5808863" y="24843733"/>
+                                    <a:off x="5808863" y="23329746"/>
                                     <a:ext cx="2852058" cy="0"/>
                                   </a:xfrm>
                                   <a:prstGeom prst="line">
@@ -4203,9 +4069,9 @@
                               </p:nvGrpSpPr>
                               <p:grpSpPr>
                                 <a:xfrm>
-                                  <a:off x="11214955" y="23096187"/>
-                                  <a:ext cx="2054730" cy="937252"/>
-                                  <a:chOff x="5808863" y="23445926"/>
+                                  <a:off x="11214955" y="21982047"/>
+                                  <a:ext cx="2054730" cy="937251"/>
+                                  <a:chOff x="5808863" y="21931945"/>
                                   <a:chExt cx="2852058" cy="1273629"/>
                                 </a:xfrm>
                                 <a:grpFill/>
@@ -4224,7 +4090,7 @@
                                 </p:nvSpPr>
                                 <p:spPr>
                                   <a:xfrm>
-                                    <a:off x="5808863" y="23445926"/>
+                                    <a:off x="5808863" y="21931945"/>
                                     <a:ext cx="2852058" cy="1273629"/>
                                   </a:xfrm>
                                   <a:prstGeom prst="roundRect">
@@ -4285,7 +4151,7 @@
                                 </p:nvCxnSpPr>
                                 <p:spPr>
                                   <a:xfrm>
-                                    <a:off x="5808863" y="24082725"/>
+                                    <a:off x="5808863" y="22568760"/>
                                     <a:ext cx="2852058" cy="0"/>
                                   </a:xfrm>
                                   <a:prstGeom prst="line">
@@ -4329,7 +4195,7 @@
                             </p:nvSpPr>
                             <p:spPr>
                               <a:xfrm>
-                                <a:off x="12203138" y="22405031"/>
+                                <a:off x="12203138" y="21474031"/>
                                 <a:ext cx="1627159" cy="783195"/>
                               </a:xfrm>
                               <a:prstGeom prst="roundRect">
@@ -4391,7 +4257,7 @@
                           </p:nvCxnSpPr>
                           <p:spPr>
                             <a:xfrm>
-                              <a:off x="12203138" y="22796629"/>
+                              <a:off x="12203138" y="21865629"/>
                               <a:ext cx="1627159" cy="0"/>
                             </a:xfrm>
                             <a:prstGeom prst="line">
@@ -4434,9 +4300,9 @@
                         </p:nvGrpSpPr>
                         <p:grpSpPr>
                           <a:xfrm>
-                            <a:off x="12203138" y="23803790"/>
+                            <a:off x="12203138" y="22872790"/>
                             <a:ext cx="1627159" cy="783195"/>
-                            <a:chOff x="12203138" y="23803790"/>
+                            <a:chOff x="12203138" y="22872790"/>
                             <a:chExt cx="1627159" cy="783195"/>
                           </a:xfrm>
                           <a:grpFill/>
@@ -4455,7 +4321,7 @@
                           </p:nvSpPr>
                           <p:spPr>
                             <a:xfrm>
-                              <a:off x="12203138" y="23803790"/>
+                              <a:off x="12203138" y="22872790"/>
                               <a:ext cx="1627159" cy="783195"/>
                             </a:xfrm>
                             <a:prstGeom prst="roundRect">
@@ -4516,7 +4382,7 @@
                           </p:nvCxnSpPr>
                           <p:spPr>
                             <a:xfrm>
-                              <a:off x="12203138" y="24195388"/>
+                              <a:off x="12203138" y="23264388"/>
                               <a:ext cx="1627159" cy="0"/>
                             </a:xfrm>
                             <a:prstGeom prst="line">
@@ -4560,9 +4426,9 @@
                       </p:nvGrpSpPr>
                       <p:grpSpPr>
                         <a:xfrm>
-                          <a:off x="10172956" y="25369822"/>
+                          <a:off x="10172956" y="24438822"/>
                           <a:ext cx="3657341" cy="2181954"/>
-                          <a:chOff x="10172956" y="25369822"/>
+                          <a:chOff x="10172956" y="24438822"/>
                           <a:chExt cx="3657341" cy="2181954"/>
                         </a:xfrm>
                         <a:grpFill/>
@@ -4581,9 +4447,9 @@
                         </p:nvGrpSpPr>
                         <p:grpSpPr>
                           <a:xfrm>
-                            <a:off x="10172956" y="25369822"/>
+                            <a:off x="10172956" y="24438822"/>
                             <a:ext cx="3657341" cy="2181954"/>
-                            <a:chOff x="10172956" y="25369822"/>
+                            <a:chOff x="10172956" y="24438822"/>
                             <a:chExt cx="3657341" cy="2181954"/>
                           </a:xfrm>
                           <a:grpFill/>
@@ -4602,9 +4468,9 @@
                           </p:nvGrpSpPr>
                           <p:grpSpPr>
                             <a:xfrm>
-                              <a:off x="10172956" y="25369822"/>
+                              <a:off x="10172956" y="24438822"/>
                               <a:ext cx="3657341" cy="2181954"/>
-                              <a:chOff x="10172956" y="25369822"/>
+                              <a:chOff x="10172956" y="24438822"/>
                               <a:chExt cx="3657341" cy="2181954"/>
                             </a:xfrm>
                             <a:grpFill/>
@@ -4623,7 +4489,7 @@
                             </p:nvSpPr>
                             <p:spPr>
                               <a:xfrm>
-                                <a:off x="10172956" y="26153020"/>
+                                <a:off x="10172956" y="25222020"/>
                                 <a:ext cx="1627159" cy="783195"/>
                               </a:xfrm>
                               <a:prstGeom prst="roundRect">
@@ -4681,7 +4547,7 @@
                             </p:nvSpPr>
                             <p:spPr>
                               <a:xfrm>
-                                <a:off x="12203138" y="25369822"/>
+                                <a:off x="12203138" y="24438822"/>
                                 <a:ext cx="1627159" cy="783195"/>
                               </a:xfrm>
                               <a:prstGeom prst="roundRect">
@@ -4742,7 +4608,7 @@
                             </p:nvCxnSpPr>
                             <p:spPr>
                               <a:xfrm>
-                                <a:off x="12203138" y="25761420"/>
+                                <a:off x="12203138" y="24830420"/>
                                 <a:ext cx="1627159" cy="0"/>
                               </a:xfrm>
                               <a:prstGeom prst="line">
@@ -4784,7 +4650,7 @@
                             </p:nvSpPr>
                             <p:spPr>
                               <a:xfrm>
-                                <a:off x="12203138" y="26768581"/>
+                                <a:off x="12203138" y="25837581"/>
                                 <a:ext cx="1627159" cy="783195"/>
                               </a:xfrm>
                               <a:prstGeom prst="roundRect">
@@ -4845,7 +4711,7 @@
                           </p:nvCxnSpPr>
                           <p:spPr>
                             <a:xfrm>
-                              <a:off x="12200907" y="27160179"/>
+                              <a:off x="12200907" y="26229179"/>
                               <a:ext cx="1629390" cy="1"/>
                             </a:xfrm>
                             <a:prstGeom prst="line">
@@ -4888,7 +4754,7 @@
                         </p:nvCxnSpPr>
                         <p:spPr>
                           <a:xfrm>
-                            <a:off x="10172956" y="26544617"/>
+                            <a:off x="10172956" y="25613617"/>
                             <a:ext cx="1627159" cy="0"/>
                           </a:xfrm>
                           <a:prstGeom prst="line">
@@ -4935,7 +4801,7 @@
                       </p:nvCxnSpPr>
                       <p:spPr>
                         <a:xfrm rot="10800000" flipV="1">
-                          <a:off x="10986536" y="25761420"/>
+                          <a:off x="10986536" y="24830420"/>
                           <a:ext cx="1216602" cy="391600"/>
                         </a:xfrm>
                         <a:prstGeom prst="bentConnector2">
@@ -4974,6 +4840,7 @@
                           </a:extLst>
                         </p:cNvPr>
                         <p:cNvCxnSpPr>
+                          <a:cxnSpLocks/>
                           <a:stCxn id="71" idx="1"/>
                           <a:endCxn id="68" idx="2"/>
                         </p:cNvCxnSpPr>
@@ -4981,7 +4848,7 @@
                       </p:nvCxnSpPr>
                       <p:spPr>
                         <a:xfrm rot="10800000">
-                          <a:off x="10986536" y="26936215"/>
+                          <a:off x="10986536" y="26005215"/>
                           <a:ext cx="1216602" cy="223964"/>
                         </a:xfrm>
                         <a:prstGeom prst="bentConnector2">
@@ -5027,7 +4894,7 @@
                       </p:nvCxnSpPr>
                       <p:spPr>
                         <a:xfrm rot="10800000" flipV="1">
-                          <a:off x="10986536" y="22796629"/>
+                          <a:off x="10986536" y="21865629"/>
                           <a:ext cx="1216602" cy="391600"/>
                         </a:xfrm>
                         <a:prstGeom prst="bentConnector2">
@@ -5073,7 +4940,7 @@
                       </p:nvCxnSpPr>
                       <p:spPr>
                         <a:xfrm rot="10800000">
-                          <a:off x="10986536" y="23971424"/>
+                          <a:off x="10986536" y="23040424"/>
                           <a:ext cx="1216602" cy="223964"/>
                         </a:xfrm>
                         <a:prstGeom prst="bentConnector2">
@@ -5119,7 +4986,7 @@
                       </p:nvCxnSpPr>
                       <p:spPr>
                         <a:xfrm rot="10800000" flipV="1">
-                          <a:off x="9064166" y="23579827"/>
+                          <a:off x="9064166" y="22648827"/>
                           <a:ext cx="1108790" cy="928158"/>
                         </a:xfrm>
                         <a:prstGeom prst="bentConnector2">
@@ -5165,7 +5032,7 @@
                       </p:nvCxnSpPr>
                       <p:spPr>
                         <a:xfrm rot="10800000">
-                          <a:off x="9064166" y="25291180"/>
+                          <a:off x="9064166" y="24360180"/>
                           <a:ext cx="1108790" cy="1253438"/>
                         </a:xfrm>
                         <a:prstGeom prst="bentConnector2">
@@ -5205,15 +5072,16 @@
                         </a:extLst>
                       </p:cNvPr>
                       <p:cNvCxnSpPr>
+                        <a:cxnSpLocks/>
                         <a:stCxn id="36" idx="1"/>
-                        <a:endCxn id="27" idx="3"/>
+                        <a:endCxn id="136" idx="1"/>
                       </p:cNvCxnSpPr>
                       <p:nvPr/>
                     </p:nvCxnSpPr>
                     <p:spPr>
                       <a:xfrm flipH="1">
-                        <a:off x="7834688" y="24899583"/>
-                        <a:ext cx="415898" cy="0"/>
+                        <a:off x="7834685" y="23968586"/>
+                        <a:ext cx="415901" cy="7"/>
                       </a:xfrm>
                       <a:prstGeom prst="straightConnector1">
                         <a:avLst/>
@@ -5256,10 +5124,10 @@
                   </p:nvGrpSpPr>
                   <p:grpSpPr>
                     <a:xfrm flipH="1">
-                      <a:off x="239438" y="22405031"/>
-                      <a:ext cx="7595247" cy="5146745"/>
-                      <a:chOff x="6207529" y="22405031"/>
-                      <a:chExt cx="7622768" cy="5146745"/>
+                      <a:off x="239438" y="21474031"/>
+                      <a:ext cx="7595247" cy="5175589"/>
+                      <a:chOff x="6207529" y="21474031"/>
+                      <a:chExt cx="7622768" cy="5175589"/>
                     </a:xfrm>
                     <a:grpFill/>
                   </p:grpSpPr>
@@ -5277,10 +5145,10 @@
                     </p:nvGrpSpPr>
                     <p:grpSpPr>
                       <a:xfrm>
-                        <a:off x="6207529" y="22405031"/>
-                        <a:ext cx="7622768" cy="5146745"/>
-                        <a:chOff x="6207529" y="22405031"/>
-                        <a:chExt cx="7622768" cy="5146745"/>
+                        <a:off x="6207529" y="21474031"/>
+                        <a:ext cx="7622768" cy="5175589"/>
+                        <a:chOff x="6207529" y="21474031"/>
+                        <a:chExt cx="7622768" cy="5175589"/>
                       </a:xfrm>
                       <a:grpFill/>
                     </p:grpSpPr>
@@ -5298,10 +5166,10 @@
                       </p:nvGrpSpPr>
                       <p:grpSpPr>
                         <a:xfrm>
-                          <a:off x="6207529" y="22405031"/>
-                          <a:ext cx="7622768" cy="2886149"/>
-                          <a:chOff x="6207529" y="22405031"/>
-                          <a:chExt cx="7622768" cy="2886149"/>
+                          <a:off x="6207529" y="21474031"/>
+                          <a:ext cx="7622768" cy="2886168"/>
+                          <a:chOff x="6207529" y="21474031"/>
+                          <a:chExt cx="7622768" cy="2886168"/>
                         </a:xfrm>
                         <a:grpFill/>
                       </p:grpSpPr>
@@ -5319,10 +5187,10 @@
                         </p:nvGrpSpPr>
                         <p:grpSpPr>
                           <a:xfrm>
-                            <a:off x="6207529" y="22405031"/>
-                            <a:ext cx="7622768" cy="2886149"/>
-                            <a:chOff x="6207529" y="22405031"/>
-                            <a:chExt cx="7622768" cy="2886149"/>
+                            <a:off x="6207529" y="21474031"/>
+                            <a:ext cx="7622768" cy="2886168"/>
+                            <a:chOff x="6207529" y="21474031"/>
+                            <a:chExt cx="7622768" cy="2886168"/>
                           </a:xfrm>
                           <a:grpFill/>
                         </p:grpSpPr>
@@ -5340,10 +5208,10 @@
                           </p:nvGrpSpPr>
                           <p:grpSpPr>
                             <a:xfrm>
-                              <a:off x="6207529" y="22405031"/>
-                              <a:ext cx="7622768" cy="2886149"/>
-                              <a:chOff x="6207529" y="22405031"/>
-                              <a:chExt cx="7622768" cy="2886149"/>
+                              <a:off x="6207529" y="21474031"/>
+                              <a:ext cx="7622768" cy="2886168"/>
+                              <a:chOff x="6207529" y="21474031"/>
+                              <a:chExt cx="7622768" cy="2886168"/>
                             </a:xfrm>
                             <a:grpFill/>
                           </p:grpSpPr>
@@ -5361,10 +5229,10 @@
                             </p:nvGrpSpPr>
                             <p:grpSpPr>
                               <a:xfrm>
-                                <a:off x="6207529" y="23188229"/>
-                                <a:ext cx="5592586" cy="2102951"/>
-                                <a:chOff x="6207527" y="23096187"/>
-                                <a:chExt cx="7062158" cy="2516609"/>
+                                <a:off x="6207529" y="22257244"/>
+                                <a:ext cx="5592586" cy="2102955"/>
+                                <a:chOff x="6207527" y="21982047"/>
+                                <a:chExt cx="7062158" cy="2516611"/>
                               </a:xfrm>
                               <a:grpFill/>
                             </p:grpSpPr>
@@ -5382,10 +5250,10 @@
                               </p:nvGrpSpPr>
                               <p:grpSpPr>
                                 <a:xfrm>
-                                  <a:off x="6207527" y="24675544"/>
-                                  <a:ext cx="2054730" cy="937252"/>
-                                  <a:chOff x="5808863" y="24206918"/>
-                                  <a:chExt cx="2852058" cy="1273629"/>
+                                  <a:off x="6207527" y="23561396"/>
+                                  <a:ext cx="2054730" cy="937251"/>
+                                  <a:chOff x="5808863" y="22692914"/>
+                                  <a:chExt cx="2852058" cy="1273628"/>
                                 </a:xfrm>
                                 <a:grpFill/>
                               </p:grpSpPr>
@@ -5403,8 +5271,8 @@
                                 </p:nvSpPr>
                                 <p:spPr>
                                   <a:xfrm>
-                                    <a:off x="5808863" y="24206918"/>
-                                    <a:ext cx="2852058" cy="1273629"/>
+                                    <a:off x="5808863" y="22692914"/>
+                                    <a:ext cx="2852058" cy="1273628"/>
                                   </a:xfrm>
                                   <a:prstGeom prst="roundRect">
                                     <a:avLst>
@@ -5464,7 +5332,7 @@
                                 </p:nvCxnSpPr>
                                 <p:spPr>
                                   <a:xfrm>
-                                    <a:off x="5808863" y="24843733"/>
+                                    <a:off x="5808863" y="23329706"/>
                                     <a:ext cx="2852058" cy="0"/>
                                   </a:xfrm>
                                   <a:prstGeom prst="line">
@@ -5507,10 +5375,10 @@
                               </p:nvGrpSpPr>
                               <p:grpSpPr>
                                 <a:xfrm>
-                                  <a:off x="8787441" y="24675544"/>
-                                  <a:ext cx="2054730" cy="937252"/>
-                                  <a:chOff x="5808863" y="24206918"/>
-                                  <a:chExt cx="2852058" cy="1273629"/>
+                                  <a:off x="8787441" y="23561404"/>
+                                  <a:ext cx="2054730" cy="937254"/>
+                                  <a:chOff x="5808863" y="22692904"/>
+                                  <a:chExt cx="2852058" cy="1273631"/>
                                 </a:xfrm>
                                 <a:grpFill/>
                               </p:grpSpPr>
@@ -5528,8 +5396,8 @@
                                 </p:nvSpPr>
                                 <p:spPr>
                                   <a:xfrm>
-                                    <a:off x="5808863" y="24206918"/>
-                                    <a:ext cx="2852058" cy="1273629"/>
+                                    <a:off x="5808863" y="22692904"/>
+                                    <a:ext cx="2852058" cy="1273631"/>
                                   </a:xfrm>
                                   <a:prstGeom prst="roundRect">
                                     <a:avLst>
@@ -5589,7 +5457,7 @@
                                 </p:nvCxnSpPr>
                                 <p:spPr>
                                   <a:xfrm>
-                                    <a:off x="5808863" y="24843733"/>
+                                    <a:off x="5808863" y="23329717"/>
                                     <a:ext cx="2852058" cy="0"/>
                                   </a:xfrm>
                                   <a:prstGeom prst="line">
@@ -5632,10 +5500,10 @@
                               </p:nvGrpSpPr>
                               <p:grpSpPr>
                                 <a:xfrm>
-                                  <a:off x="11214955" y="23096187"/>
-                                  <a:ext cx="2054730" cy="937252"/>
-                                  <a:chOff x="5808863" y="23445926"/>
-                                  <a:chExt cx="2852058" cy="1273629"/>
+                                  <a:off x="11214955" y="21982047"/>
+                                  <a:ext cx="2054730" cy="937256"/>
+                                  <a:chOff x="5808863" y="21931901"/>
+                                  <a:chExt cx="2852058" cy="1273633"/>
                                 </a:xfrm>
                                 <a:grpFill/>
                               </p:grpSpPr>
@@ -5653,8 +5521,8 @@
                                 </p:nvSpPr>
                                 <p:spPr>
                                   <a:xfrm>
-                                    <a:off x="5808863" y="23445926"/>
-                                    <a:ext cx="2852058" cy="1273629"/>
+                                    <a:off x="5808863" y="21931901"/>
+                                    <a:ext cx="2852058" cy="1273633"/>
                                   </a:xfrm>
                                   <a:prstGeom prst="roundRect">
                                     <a:avLst>
@@ -5714,7 +5582,7 @@
                                 </p:nvCxnSpPr>
                                 <p:spPr>
                                   <a:xfrm>
-                                    <a:off x="5808863" y="24082725"/>
+                                    <a:off x="5808863" y="22568724"/>
                                     <a:ext cx="2852058" cy="0"/>
                                   </a:xfrm>
                                   <a:prstGeom prst="line">
@@ -5758,7 +5626,7 @@
                             </p:nvSpPr>
                             <p:spPr>
                               <a:xfrm>
-                                <a:off x="12203138" y="22405031"/>
+                                <a:off x="12203138" y="21474031"/>
                                 <a:ext cx="1627159" cy="783195"/>
                               </a:xfrm>
                               <a:prstGeom prst="roundRect">
@@ -5820,7 +5688,7 @@
                           </p:nvCxnSpPr>
                           <p:spPr>
                             <a:xfrm>
-                              <a:off x="12203138" y="22796629"/>
+                              <a:off x="12203138" y="21865629"/>
                               <a:ext cx="1627159" cy="0"/>
                             </a:xfrm>
                             <a:prstGeom prst="line">
@@ -5863,9 +5731,9 @@
                         </p:nvGrpSpPr>
                         <p:grpSpPr>
                           <a:xfrm>
-                            <a:off x="12203138" y="23803790"/>
+                            <a:off x="12203138" y="22872790"/>
                             <a:ext cx="1627159" cy="783195"/>
-                            <a:chOff x="12203138" y="23803790"/>
+                            <a:chOff x="12203138" y="22872790"/>
                             <a:chExt cx="1627159" cy="783195"/>
                           </a:xfrm>
                           <a:grpFill/>
@@ -5884,7 +5752,7 @@
                           </p:nvSpPr>
                           <p:spPr>
                             <a:xfrm>
-                              <a:off x="12203138" y="23803790"/>
+                              <a:off x="12203138" y="22872790"/>
                               <a:ext cx="1627159" cy="783195"/>
                             </a:xfrm>
                             <a:prstGeom prst="roundRect">
@@ -5945,7 +5813,7 @@
                           </p:nvCxnSpPr>
                           <p:spPr>
                             <a:xfrm>
-                              <a:off x="12203138" y="24195388"/>
+                              <a:off x="12203138" y="23264388"/>
                               <a:ext cx="1627159" cy="0"/>
                             </a:xfrm>
                             <a:prstGeom prst="line">
@@ -5989,10 +5857,10 @@
                       </p:nvGrpSpPr>
                       <p:grpSpPr>
                         <a:xfrm>
-                          <a:off x="10172956" y="25369822"/>
-                          <a:ext cx="3657341" cy="2181954"/>
-                          <a:chOff x="10172956" y="25369822"/>
-                          <a:chExt cx="3657341" cy="2181954"/>
+                          <a:off x="10172956" y="24438822"/>
+                          <a:ext cx="3657341" cy="2210798"/>
+                          <a:chOff x="10172956" y="24438822"/>
+                          <a:chExt cx="3657341" cy="2210798"/>
                         </a:xfrm>
                         <a:grpFill/>
                       </p:grpSpPr>
@@ -6010,10 +5878,10 @@
                         </p:nvGrpSpPr>
                         <p:grpSpPr>
                           <a:xfrm>
-                            <a:off x="10172956" y="25369822"/>
-                            <a:ext cx="3657341" cy="2181954"/>
-                            <a:chOff x="10172956" y="25369822"/>
-                            <a:chExt cx="3657341" cy="2181954"/>
+                            <a:off x="10172956" y="24438822"/>
+                            <a:ext cx="3657341" cy="2210798"/>
+                            <a:chOff x="10172956" y="24438822"/>
+                            <a:chExt cx="3657341" cy="2210798"/>
                           </a:xfrm>
                           <a:grpFill/>
                         </p:grpSpPr>
@@ -6031,10 +5899,10 @@
                           </p:nvGrpSpPr>
                           <p:grpSpPr>
                             <a:xfrm>
-                              <a:off x="10172956" y="25369822"/>
-                              <a:ext cx="3657341" cy="2181954"/>
-                              <a:chOff x="10172956" y="25369822"/>
-                              <a:chExt cx="3657341" cy="2181954"/>
+                              <a:off x="10172956" y="24438822"/>
+                              <a:ext cx="3657341" cy="2210798"/>
+                              <a:chOff x="10172956" y="24438822"/>
+                              <a:chExt cx="3657341" cy="2210798"/>
                             </a:xfrm>
                             <a:grpFill/>
                           </p:grpSpPr>
@@ -6052,7 +5920,7 @@
                             </p:nvSpPr>
                             <p:spPr>
                               <a:xfrm>
-                                <a:off x="10172956" y="26153020"/>
+                                <a:off x="10172956" y="25222020"/>
                                 <a:ext cx="1627159" cy="783195"/>
                               </a:xfrm>
                               <a:prstGeom prst="roundRect">
@@ -6110,7 +5978,7 @@
                             </p:nvSpPr>
                             <p:spPr>
                               <a:xfrm>
-                                <a:off x="12203138" y="25369822"/>
+                                <a:off x="12203138" y="24438822"/>
                                 <a:ext cx="1627159" cy="783195"/>
                               </a:xfrm>
                               <a:prstGeom prst="roundRect">
@@ -6171,7 +6039,7 @@
                             </p:nvCxnSpPr>
                             <p:spPr>
                               <a:xfrm>
-                                <a:off x="12203138" y="25761420"/>
+                                <a:off x="12203138" y="24830420"/>
                                 <a:ext cx="1627159" cy="0"/>
                               </a:xfrm>
                               <a:prstGeom prst="line">
@@ -6213,7 +6081,7 @@
                             </p:nvSpPr>
                             <p:spPr>
                               <a:xfrm>
-                                <a:off x="12203138" y="26768581"/>
+                                <a:off x="12203138" y="25866425"/>
                                 <a:ext cx="1627159" cy="783195"/>
                               </a:xfrm>
                               <a:prstGeom prst="roundRect">
@@ -6274,7 +6142,7 @@
                           </p:nvCxnSpPr>
                           <p:spPr>
                             <a:xfrm>
-                              <a:off x="12200907" y="27160179"/>
+                              <a:off x="12200907" y="26229179"/>
                               <a:ext cx="1629390" cy="1"/>
                             </a:xfrm>
                             <a:prstGeom prst="line">
@@ -6317,7 +6185,7 @@
                         </p:nvCxnSpPr>
                         <p:spPr>
                           <a:xfrm>
-                            <a:off x="10172956" y="26544617"/>
+                            <a:off x="10172956" y="25613617"/>
                             <a:ext cx="1627159" cy="0"/>
                           </a:xfrm>
                           <a:prstGeom prst="line">
@@ -6364,7 +6232,7 @@
                       </p:nvCxnSpPr>
                       <p:spPr>
                         <a:xfrm rot="10800000" flipV="1">
-                          <a:off x="10986536" y="25761420"/>
+                          <a:off x="10986536" y="24830420"/>
                           <a:ext cx="1216602" cy="391600"/>
                         </a:xfrm>
                         <a:prstGeom prst="bentConnector2">
@@ -6403,14 +6271,14 @@
                           </a:extLst>
                         </p:cNvPr>
                         <p:cNvCxnSpPr>
-                          <a:stCxn id="120" idx="1"/>
+                          <a:cxnSpLocks/>
                           <a:endCxn id="117" idx="2"/>
                         </p:cNvCxnSpPr>
                         <p:nvPr/>
                       </p:nvCxnSpPr>
                       <p:spPr>
                         <a:xfrm rot="10800000">
-                          <a:off x="10986536" y="26936215"/>
+                          <a:off x="10986536" y="26005215"/>
                           <a:ext cx="1216602" cy="223964"/>
                         </a:xfrm>
                         <a:prstGeom prst="bentConnector2">
@@ -6456,7 +6324,7 @@
                       </p:nvCxnSpPr>
                       <p:spPr>
                         <a:xfrm rot="10800000" flipV="1">
-                          <a:off x="10986536" y="22796629"/>
+                          <a:off x="10986536" y="21865629"/>
                           <a:ext cx="1216602" cy="391600"/>
                         </a:xfrm>
                         <a:prstGeom prst="bentConnector2">
@@ -6502,7 +6370,7 @@
                       </p:nvCxnSpPr>
                       <p:spPr>
                         <a:xfrm rot="10800000">
-                          <a:off x="10986536" y="23971424"/>
+                          <a:off x="10986536" y="23040424"/>
                           <a:ext cx="1216602" cy="223964"/>
                         </a:xfrm>
                         <a:prstGeom prst="bentConnector2">
@@ -6548,7 +6416,7 @@
                       </p:nvCxnSpPr>
                       <p:spPr>
                         <a:xfrm rot="10800000" flipV="1">
-                          <a:off x="9064166" y="23579827"/>
+                          <a:off x="9064166" y="22648827"/>
                           <a:ext cx="1108790" cy="928158"/>
                         </a:xfrm>
                         <a:prstGeom prst="bentConnector2">
@@ -6594,7 +6462,7 @@
                       </p:nvCxnSpPr>
                       <p:spPr>
                         <a:xfrm rot="10800000">
-                          <a:off x="9064166" y="25291180"/>
+                          <a:off x="9064166" y="24360180"/>
                           <a:ext cx="1108790" cy="1253438"/>
                         </a:xfrm>
                         <a:prstGeom prst="bentConnector2">
@@ -6640,9 +6508,9 @@
                       <p:nvPr/>
                     </p:nvCxnSpPr>
                     <p:spPr>
-                      <a:xfrm flipH="1">
-                        <a:off x="7834688" y="24899583"/>
-                        <a:ext cx="415898" cy="0"/>
+                      <a:xfrm flipH="1" flipV="1">
+                        <a:off x="7834688" y="23968593"/>
+                        <a:ext cx="415898" cy="8"/>
                       </a:xfrm>
                       <a:prstGeom prst="straightConnector1">
                         <a:avLst/>
@@ -6686,7 +6554,7 @@
                 </p:nvSpPr>
                 <p:spPr>
                   <a:xfrm>
-                    <a:off x="399654" y="22405827"/>
+                    <a:off x="399654" y="21474827"/>
                     <a:ext cx="1618641" cy="338554"/>
                   </a:xfrm>
                   <a:prstGeom prst="rect">
@@ -6727,7 +6595,7 @@
                 </p:nvSpPr>
                 <p:spPr>
                   <a:xfrm>
-                    <a:off x="2413849" y="22434924"/>
+                    <a:off x="2413849" y="21503924"/>
                     <a:ext cx="1630759" cy="338554"/>
                   </a:xfrm>
                   <a:prstGeom prst="rect">
@@ -6768,7 +6636,7 @@
                 </p:nvSpPr>
                 <p:spPr>
                   <a:xfrm>
-                    <a:off x="4343591" y="22410741"/>
+                    <a:off x="4343591" y="21479741"/>
                     <a:ext cx="1630759" cy="584775"/>
                   </a:xfrm>
                   <a:prstGeom prst="rect">
@@ -6809,7 +6677,7 @@
                 </p:nvSpPr>
                 <p:spPr>
                   <a:xfrm>
-                    <a:off x="6390432" y="22410741"/>
+                    <a:off x="6390432" y="21479741"/>
                     <a:ext cx="1630759" cy="584775"/>
                   </a:xfrm>
                   <a:prstGeom prst="rect">
@@ -6850,7 +6718,7 @@
                 </p:nvSpPr>
                 <p:spPr>
                   <a:xfrm>
-                    <a:off x="8445428" y="22430740"/>
+                    <a:off x="8445428" y="21499740"/>
                     <a:ext cx="1630759" cy="584775"/>
                   </a:xfrm>
                   <a:prstGeom prst="rect">
@@ -6891,7 +6759,7 @@
                 </p:nvSpPr>
                 <p:spPr>
                   <a:xfrm>
-                    <a:off x="10370742" y="22430740"/>
+                    <a:off x="10370742" y="21499740"/>
                     <a:ext cx="1630759" cy="338554"/>
                   </a:xfrm>
                   <a:prstGeom prst="rect">
@@ -6932,7 +6800,7 @@
                 </p:nvSpPr>
                 <p:spPr>
                   <a:xfrm>
-                    <a:off x="12401555" y="22409870"/>
+                    <a:off x="12401555" y="21478870"/>
                     <a:ext cx="1653237" cy="338554"/>
                   </a:xfrm>
                   <a:prstGeom prst="rect">
@@ -6974,7 +6842,7 @@
               </p:nvSpPr>
               <p:spPr>
                 <a:xfrm>
-                  <a:off x="442913" y="22995516"/>
+                  <a:off x="442913" y="22064516"/>
                   <a:ext cx="1500187" cy="276999"/>
                 </a:xfrm>
                 <a:prstGeom prst="rect">
@@ -7032,7 +6900,7 @@
               </p:nvSpPr>
               <p:spPr>
                 <a:xfrm>
-                  <a:off x="438883" y="23352816"/>
+                  <a:off x="438883" y="22421816"/>
                   <a:ext cx="1500187" cy="276999"/>
                 </a:xfrm>
                 <a:prstGeom prst="rect">
@@ -7072,7 +6940,7 @@
               </p:nvSpPr>
               <p:spPr>
                 <a:xfrm>
-                  <a:off x="442913" y="24391171"/>
+                  <a:off x="442913" y="23460171"/>
                   <a:ext cx="1500187" cy="276999"/>
                 </a:xfrm>
                 <a:prstGeom prst="rect">
@@ -7130,7 +6998,7 @@
               </p:nvSpPr>
               <p:spPr>
                 <a:xfrm>
-                  <a:off x="433585" y="24774119"/>
+                  <a:off x="433585" y="23843119"/>
                   <a:ext cx="1500187" cy="276999"/>
                 </a:xfrm>
                 <a:prstGeom prst="rect">
@@ -7188,7 +7056,7 @@
               </p:nvSpPr>
               <p:spPr>
                 <a:xfrm>
-                  <a:off x="433585" y="25952683"/>
+                  <a:off x="433585" y="25021683"/>
                   <a:ext cx="1500187" cy="276999"/>
                 </a:xfrm>
                 <a:prstGeom prst="rect">
@@ -7246,7 +7114,7 @@
               </p:nvSpPr>
               <p:spPr>
                 <a:xfrm>
-                  <a:off x="430844" y="26339564"/>
+                  <a:off x="430844" y="25408564"/>
                   <a:ext cx="1500187" cy="276999"/>
                 </a:xfrm>
                 <a:prstGeom prst="rect">
@@ -7286,7 +7154,7 @@
               </p:nvSpPr>
               <p:spPr>
                 <a:xfrm>
-                  <a:off x="399654" y="27361027"/>
+                  <a:off x="399654" y="26430027"/>
                   <a:ext cx="1500187" cy="276999"/>
                 </a:xfrm>
                 <a:prstGeom prst="rect">
@@ -7344,7 +7212,7 @@
               </p:nvSpPr>
               <p:spPr>
                 <a:xfrm>
-                  <a:off x="399654" y="27738910"/>
+                  <a:off x="399654" y="26807910"/>
                   <a:ext cx="1500187" cy="276999"/>
                 </a:xfrm>
                 <a:prstGeom prst="rect">
@@ -7402,7 +7270,7 @@
               </p:nvSpPr>
               <p:spPr>
                 <a:xfrm>
-                  <a:off x="12474893" y="22983763"/>
+                  <a:off x="12474893" y="22052763"/>
                   <a:ext cx="1500187" cy="276999"/>
                 </a:xfrm>
                 <a:prstGeom prst="rect">
@@ -7460,7 +7328,7 @@
               </p:nvSpPr>
               <p:spPr>
                 <a:xfrm>
-                  <a:off x="12474892" y="23376828"/>
+                  <a:off x="12474892" y="22445828"/>
                   <a:ext cx="1500187" cy="276999"/>
                 </a:xfrm>
                 <a:prstGeom prst="rect">
@@ -7500,7 +7368,7 @@
               </p:nvSpPr>
               <p:spPr>
                 <a:xfrm>
-                  <a:off x="12474892" y="24381720"/>
+                  <a:off x="12474892" y="23450720"/>
                   <a:ext cx="1500187" cy="276999"/>
                 </a:xfrm>
                 <a:prstGeom prst="rect">
@@ -7558,7 +7426,7 @@
               </p:nvSpPr>
               <p:spPr>
                 <a:xfrm>
-                  <a:off x="12474891" y="24774785"/>
+                  <a:off x="12474891" y="23843785"/>
                   <a:ext cx="1500187" cy="276999"/>
                 </a:xfrm>
                 <a:prstGeom prst="rect">
@@ -7616,7 +7484,7 @@
               </p:nvSpPr>
               <p:spPr>
                 <a:xfrm>
-                  <a:off x="12474892" y="25946354"/>
+                  <a:off x="12474892" y="25015354"/>
                   <a:ext cx="1500187" cy="276999"/>
                 </a:xfrm>
                 <a:prstGeom prst="rect">
@@ -7674,7 +7542,7 @@
               </p:nvSpPr>
               <p:spPr>
                 <a:xfrm>
-                  <a:off x="12474891" y="26339419"/>
+                  <a:off x="12474891" y="25408419"/>
                   <a:ext cx="1500187" cy="276999"/>
                 </a:xfrm>
                 <a:prstGeom prst="rect">
@@ -7714,7 +7582,7 @@
               </p:nvSpPr>
               <p:spPr>
                 <a:xfrm>
-                  <a:off x="12474891" y="27345845"/>
+                  <a:off x="12474891" y="26414845"/>
                   <a:ext cx="1500187" cy="276999"/>
                 </a:xfrm>
                 <a:prstGeom prst="rect">
@@ -7772,7 +7640,7 @@
               </p:nvSpPr>
               <p:spPr>
                 <a:xfrm>
-                  <a:off x="12474890" y="27738910"/>
+                  <a:off x="12474890" y="26807910"/>
                   <a:ext cx="1500187" cy="276999"/>
                 </a:xfrm>
                 <a:prstGeom prst="rect">
@@ -7840,13 +7708,13 @@
           </p:blipFill>
           <p:spPr>
             <a:xfrm>
-              <a:off x="7881168" y="23136840"/>
+              <a:off x="7881168" y="22270128"/>
               <a:ext cx="716806" cy="1572991"/>
             </a:xfrm>
             <a:prstGeom prst="rect">
               <a:avLst/>
             </a:prstGeom>
-            <a:grpFill/>
+            <a:noFill/>
           </p:spPr>
         </p:pic>
       </p:grpSp>
@@ -7864,10 +7732,10 @@
         </p:nvGrpSpPr>
         <p:grpSpPr>
           <a:xfrm>
-            <a:off x="17065062" y="5153289"/>
-            <a:ext cx="16307397" cy="23199714"/>
-            <a:chOff x="151803" y="5153289"/>
-            <a:chExt cx="14135695" cy="23199714"/>
+            <a:off x="17065062" y="5153288"/>
+            <a:ext cx="16307397" cy="23193256"/>
+            <a:chOff x="151803" y="5153288"/>
+            <a:chExt cx="14135695" cy="23193256"/>
           </a:xfrm>
           <a:solidFill>
             <a:srgbClr val="002F87">
@@ -7889,10 +7757,10 @@
           </p:nvGrpSpPr>
           <p:grpSpPr>
             <a:xfrm>
-              <a:off x="151805" y="5153289"/>
-              <a:ext cx="14135693" cy="9419784"/>
-              <a:chOff x="151805" y="5153289"/>
-              <a:chExt cx="14135695" cy="9419784"/>
+              <a:off x="151805" y="5153288"/>
+              <a:ext cx="14135693" cy="9246921"/>
+              <a:chOff x="151805" y="5153288"/>
+              <a:chExt cx="14135695" cy="9246921"/>
             </a:xfrm>
             <a:grpFill/>
           </p:grpSpPr>
@@ -7910,8 +7778,8 @@
             </p:nvSpPr>
             <p:spPr>
               <a:xfrm>
-                <a:off x="151805" y="5153289"/>
-                <a:ext cx="14135695" cy="9419784"/>
+                <a:off x="151805" y="5153288"/>
+                <a:ext cx="14135695" cy="9246921"/>
               </a:xfrm>
               <a:prstGeom prst="roundRect">
                 <a:avLst>
@@ -8053,8 +7921,8 @@
                 </p:nvSpPr>
                 <p:spPr>
                   <a:xfrm>
-                    <a:off x="494704" y="6933205"/>
-                    <a:ext cx="13480376" cy="7387407"/>
+                    <a:off x="494704" y="6680793"/>
+                    <a:ext cx="13480376" cy="7458837"/>
                   </a:xfrm>
                   <a:prstGeom prst="rect">
                     <a:avLst/>
@@ -8073,7 +7941,7 @@
                       </a:spcAft>
                     </a:pPr>
                     <a:r>
-                      <a:rPr lang="en-AU" sz="3200" dirty="0">
+                      <a:rPr lang="en-AU" sz="3050" dirty="0">
                         <a:solidFill>
                           <a:schemeClr val="bg1"/>
                         </a:solidFill>
@@ -8081,12 +7949,6 @@
                       </a:rPr>
                       <a:t>A constant Elo model was used to create ratings for every team at three points in time; after games 25, 50, and 82. No home ice advantage was factored into the model, so the rating formula was:</a:t>
                     </a:r>
-                    <a:endParaRPr lang="en-AU" sz="3600" dirty="0">
-                      <a:solidFill>
-                        <a:schemeClr val="bg1"/>
-                      </a:solidFill>
-                      <a:latin typeface="Arial Nova" panose="020B0504020202020204" pitchFamily="34" charset="0"/>
-                    </a:endParaRPr>
                   </a:p>
                   <a:p>
                     <a:pPr algn="ctr">
@@ -8100,139 +7962,130 @@
                           <m:jc m:val="center"/>
                         </m:oMathParaPr>
                         <m:oMath xmlns:m="http://schemas.openxmlformats.org/officeDocument/2006/math">
-                          <m:r>
-                            <a:rPr lang="en-AU" sz="3200" b="0" i="1" smtClean="0">
-                              <a:solidFill>
-                                <a:schemeClr val="bg1"/>
-                              </a:solidFill>
-                              <a:latin typeface="Cambria Math" panose="02040503050406030204" pitchFamily="18" charset="0"/>
-                            </a:rPr>
-                            <m:t>𝐸</m:t>
-                          </m:r>
-                          <m:r>
-                            <a:rPr lang="en-AU" sz="3200" b="0" i="1" smtClean="0">
-                              <a:solidFill>
-                                <a:schemeClr val="bg1"/>
-                              </a:solidFill>
-                              <a:latin typeface="Cambria Math" panose="02040503050406030204" pitchFamily="18" charset="0"/>
-                            </a:rPr>
-                            <m:t>= </m:t>
-                          </m:r>
-                          <m:f>
-                            <m:fPr>
+                          <m:sSub>
+                            <m:sSubPr>
                               <m:ctrlPr>
-                                <a:rPr lang="en-AU" sz="3200" b="0" i="1" smtClean="0">
+                                <a:rPr lang="en-AU" sz="3050" b="0" i="1" smtClean="0">
                                   <a:solidFill>
                                     <a:schemeClr val="bg1"/>
                                   </a:solidFill>
                                   <a:latin typeface="Cambria Math" panose="02040503050406030204" pitchFamily="18" charset="0"/>
                                 </a:rPr>
                               </m:ctrlPr>
-                            </m:fPr>
-                            <m:num>
+                            </m:sSubPr>
+                            <m:e>
                               <m:r>
-                                <a:rPr lang="en-AU" sz="3200" b="0" i="1" smtClean="0">
+                                <a:rPr lang="en-AU" sz="3050" b="0" i="1" smtClean="0">
                                   <a:solidFill>
                                     <a:schemeClr val="bg1"/>
                                   </a:solidFill>
                                   <a:latin typeface="Cambria Math" panose="02040503050406030204" pitchFamily="18" charset="0"/>
                                 </a:rPr>
-                                <m:t>1</m:t>
+                                <m:t>𝐸</m:t>
                               </m:r>
-                            </m:num>
-                            <m:den>
+                            </m:e>
+                            <m:sub>
                               <m:r>
-                                <a:rPr lang="en-AU" sz="3200" i="1">
+                                <a:rPr lang="en-AU" sz="3050" b="0" i="1" smtClean="0">
                                   <a:solidFill>
                                     <a:schemeClr val="bg1"/>
                                   </a:solidFill>
                                   <a:latin typeface="Cambria Math" panose="02040503050406030204" pitchFamily="18" charset="0"/>
                                 </a:rPr>
-                                <m:t>1+</m:t>
+                                <m:t>𝐴</m:t>
                               </m:r>
-                              <m:sSup>
-                                <m:sSupPr>
+                            </m:sub>
+                          </m:sSub>
+                          <m:r>
+                            <a:rPr lang="en-AU" sz="3050" b="0" i="1" smtClean="0">
+                              <a:solidFill>
+                                <a:schemeClr val="bg1"/>
+                              </a:solidFill>
+                              <a:latin typeface="Cambria Math" panose="02040503050406030204" pitchFamily="18" charset="0"/>
+                            </a:rPr>
+                            <m:t>=</m:t>
+                          </m:r>
+                          <m:d>
+                            <m:dPr>
+                              <m:ctrlPr>
+                                <a:rPr lang="en-AU" sz="3050" b="0" i="1" smtClean="0">
+                                  <a:solidFill>
+                                    <a:schemeClr val="bg1"/>
+                                  </a:solidFill>
+                                  <a:latin typeface="Cambria Math" panose="02040503050406030204" pitchFamily="18" charset="0"/>
+                                </a:rPr>
+                              </m:ctrlPr>
+                            </m:dPr>
+                            <m:e>
+                              <m:f>
+                                <m:fPr>
                                   <m:ctrlPr>
-                                    <a:rPr lang="en-AU" sz="3200" i="1" smtClean="0">
+                                    <a:rPr lang="en-AU" sz="3050" i="1">
                                       <a:solidFill>
                                         <a:schemeClr val="bg1"/>
                                       </a:solidFill>
                                       <a:latin typeface="Cambria Math" panose="02040503050406030204" pitchFamily="18" charset="0"/>
                                     </a:rPr>
                                   </m:ctrlPr>
-                                </m:sSupPr>
-                                <m:e>
+                                </m:fPr>
+                                <m:num>
                                   <m:r>
-                                    <a:rPr lang="en-AU" sz="3200" b="0" i="1" smtClean="0">
+                                    <a:rPr lang="en-AU" sz="3050" i="1">
                                       <a:solidFill>
                                         <a:schemeClr val="bg1"/>
                                       </a:solidFill>
                                       <a:latin typeface="Cambria Math" panose="02040503050406030204" pitchFamily="18" charset="0"/>
                                     </a:rPr>
-                                    <m:t>10</m:t>
+                                    <m:t>1</m:t>
                                   </m:r>
-                                </m:e>
-                                <m:sup>
-                                  <m:d>
-                                    <m:dPr>
+                                </m:num>
+                                <m:den>
+                                  <m:r>
+                                    <a:rPr lang="en-AU" sz="3050" i="1">
+                                      <a:solidFill>
+                                        <a:schemeClr val="bg1"/>
+                                      </a:solidFill>
+                                      <a:latin typeface="Cambria Math" panose="02040503050406030204" pitchFamily="18" charset="0"/>
+                                    </a:rPr>
+                                    <m:t>1+</m:t>
+                                  </m:r>
+                                  <m:sSup>
+                                    <m:sSupPr>
                                       <m:ctrlPr>
-                                        <a:rPr lang="en-AU" sz="3200" i="1" smtClean="0">
+                                        <a:rPr lang="en-AU" sz="3050" i="1">
                                           <a:solidFill>
                                             <a:schemeClr val="bg1"/>
                                           </a:solidFill>
                                           <a:latin typeface="Cambria Math" panose="02040503050406030204" pitchFamily="18" charset="0"/>
                                         </a:rPr>
                                       </m:ctrlPr>
-                                    </m:dPr>
+                                    </m:sSupPr>
                                     <m:e>
-                                      <m:f>
-                                        <m:fPr>
+                                      <m:r>
+                                        <a:rPr lang="en-AU" sz="3050" i="1">
+                                          <a:solidFill>
+                                            <a:schemeClr val="bg1"/>
+                                          </a:solidFill>
+                                          <a:latin typeface="Cambria Math" panose="02040503050406030204" pitchFamily="18" charset="0"/>
+                                        </a:rPr>
+                                        <m:t>10</m:t>
+                                      </m:r>
+                                    </m:e>
+                                    <m:sup>
+                                      <m:d>
+                                        <m:dPr>
                                           <m:ctrlPr>
-                                            <a:rPr lang="en-AU" sz="3200" i="1">
+                                            <a:rPr lang="en-AU" sz="3050" i="1">
                                               <a:solidFill>
                                                 <a:schemeClr val="bg1"/>
                                               </a:solidFill>
                                               <a:latin typeface="Cambria Math" panose="02040503050406030204" pitchFamily="18" charset="0"/>
                                             </a:rPr>
                                           </m:ctrlPr>
-                                        </m:fPr>
-                                        <m:num>
-                                          <m:sSub>
-                                            <m:sSubPr>
-                                              <m:ctrlPr>
-                                                <a:rPr lang="en-AU" sz="3200" i="1">
-                                                  <a:solidFill>
-                                                    <a:schemeClr val="bg1"/>
-                                                  </a:solidFill>
-                                                  <a:latin typeface="Cambria Math" panose="02040503050406030204" pitchFamily="18" charset="0"/>
-                                                </a:rPr>
-                                              </m:ctrlPr>
-                                            </m:sSubPr>
-                                            <m:e>
-                                              <m:r>
-                                                <a:rPr lang="en-AU" sz="3200" i="1">
-                                                  <a:solidFill>
-                                                    <a:schemeClr val="bg1"/>
-                                                  </a:solidFill>
-                                                  <a:latin typeface="Cambria Math" panose="02040503050406030204" pitchFamily="18" charset="0"/>
-                                                </a:rPr>
-                                                <m:t>𝑅</m:t>
-                                              </m:r>
-                                            </m:e>
-                                            <m:sub>
-                                              <m:r>
-                                                <a:rPr lang="en-AU" sz="3200" i="1">
-                                                  <a:solidFill>
-                                                    <a:schemeClr val="bg1"/>
-                                                  </a:solidFill>
-                                                  <a:latin typeface="Cambria Math" panose="02040503050406030204" pitchFamily="18" charset="0"/>
-                                                </a:rPr>
-                                                <m:t>𝑏</m:t>
-                                              </m:r>
-                                            </m:sub>
-                                          </m:sSub>
+                                        </m:dPr>
+                                        <m:e>
                                           <m:r>
-                                            <a:rPr lang="en-AU" sz="3200" i="1">
+                                            <a:rPr lang="en-AU" sz="3050" i="1">
                                               <a:solidFill>
                                                 <a:schemeClr val="bg1"/>
                                               </a:solidFill>
@@ -8240,63 +8093,134 @@
                                             </a:rPr>
                                             <m:t>−</m:t>
                                           </m:r>
-                                          <m:sSub>
-                                            <m:sSubPr>
+                                          <m:d>
+                                            <m:dPr>
                                               <m:ctrlPr>
-                                                <a:rPr lang="en-AU" sz="3200" i="1">
+                                                <a:rPr lang="en-AU" sz="3050" i="1">
                                                   <a:solidFill>
                                                     <a:schemeClr val="bg1"/>
                                                   </a:solidFill>
                                                   <a:latin typeface="Cambria Math" panose="02040503050406030204" pitchFamily="18" charset="0"/>
                                                 </a:rPr>
                                               </m:ctrlPr>
-                                            </m:sSubPr>
+                                            </m:dPr>
                                             <m:e>
-                                              <m:r>
-                                                <a:rPr lang="en-AU" sz="3200" i="1">
-                                                  <a:solidFill>
-                                                    <a:schemeClr val="bg1"/>
-                                                  </a:solidFill>
-                                                  <a:latin typeface="Cambria Math" panose="02040503050406030204" pitchFamily="18" charset="0"/>
-                                                </a:rPr>
-                                                <m:t>𝑅</m:t>
-                                              </m:r>
+                                              <m:f>
+                                                <m:fPr>
+                                                  <m:ctrlPr>
+                                                    <a:rPr lang="en-AU" sz="3050" i="1">
+                                                      <a:solidFill>
+                                                        <a:schemeClr val="bg1"/>
+                                                      </a:solidFill>
+                                                      <a:latin typeface="Cambria Math" panose="02040503050406030204" pitchFamily="18" charset="0"/>
+                                                    </a:rPr>
+                                                  </m:ctrlPr>
+                                                </m:fPr>
+                                                <m:num>
+                                                  <m:sSub>
+                                                    <m:sSubPr>
+                                                      <m:ctrlPr>
+                                                        <a:rPr lang="en-AU" sz="3050" i="1">
+                                                          <a:solidFill>
+                                                            <a:schemeClr val="bg1"/>
+                                                          </a:solidFill>
+                                                          <a:latin typeface="Cambria Math" panose="02040503050406030204" pitchFamily="18" charset="0"/>
+                                                        </a:rPr>
+                                                      </m:ctrlPr>
+                                                    </m:sSubPr>
+                                                    <m:e>
+                                                      <m:r>
+                                                        <a:rPr lang="en-AU" sz="3050" i="1">
+                                                          <a:solidFill>
+                                                            <a:schemeClr val="bg1"/>
+                                                          </a:solidFill>
+                                                          <a:latin typeface="Cambria Math" panose="02040503050406030204" pitchFamily="18" charset="0"/>
+                                                        </a:rPr>
+                                                        <m:t>𝑅</m:t>
+                                                      </m:r>
+                                                    </m:e>
+                                                    <m:sub>
+                                                      <m:r>
+                                                        <a:rPr lang="en-AU" sz="3050" i="1">
+                                                          <a:solidFill>
+                                                            <a:schemeClr val="bg1"/>
+                                                          </a:solidFill>
+                                                          <a:latin typeface="Cambria Math" panose="02040503050406030204" pitchFamily="18" charset="0"/>
+                                                        </a:rPr>
+                                                        <m:t>𝑎</m:t>
+                                                      </m:r>
+                                                    </m:sub>
+                                                  </m:sSub>
+                                                  <m:r>
+                                                    <a:rPr lang="en-AU" sz="3050" i="1">
+                                                      <a:solidFill>
+                                                        <a:schemeClr val="bg1"/>
+                                                      </a:solidFill>
+                                                      <a:latin typeface="Cambria Math" panose="02040503050406030204" pitchFamily="18" charset="0"/>
+                                                    </a:rPr>
+                                                    <m:t>−</m:t>
+                                                  </m:r>
+                                                  <m:sSub>
+                                                    <m:sSubPr>
+                                                      <m:ctrlPr>
+                                                        <a:rPr lang="en-AU" sz="3050" i="1">
+                                                          <a:solidFill>
+                                                            <a:schemeClr val="bg1"/>
+                                                          </a:solidFill>
+                                                          <a:latin typeface="Cambria Math" panose="02040503050406030204" pitchFamily="18" charset="0"/>
+                                                        </a:rPr>
+                                                      </m:ctrlPr>
+                                                    </m:sSubPr>
+                                                    <m:e>
+                                                      <m:r>
+                                                        <a:rPr lang="en-AU" sz="3050" i="1">
+                                                          <a:solidFill>
+                                                            <a:schemeClr val="bg1"/>
+                                                          </a:solidFill>
+                                                          <a:latin typeface="Cambria Math" panose="02040503050406030204" pitchFamily="18" charset="0"/>
+                                                        </a:rPr>
+                                                        <m:t>𝑅</m:t>
+                                                      </m:r>
+                                                    </m:e>
+                                                    <m:sub>
+                                                      <m:r>
+                                                        <a:rPr lang="en-AU" sz="3050" i="1">
+                                                          <a:solidFill>
+                                                            <a:schemeClr val="bg1"/>
+                                                          </a:solidFill>
+                                                          <a:latin typeface="Cambria Math" panose="02040503050406030204" pitchFamily="18" charset="0"/>
+                                                        </a:rPr>
+                                                        <m:t>𝑏</m:t>
+                                                      </m:r>
+                                                    </m:sub>
+                                                  </m:sSub>
+                                                </m:num>
+                                                <m:den>
+                                                  <m:r>
+                                                    <a:rPr lang="en-AU" sz="3050" i="1">
+                                                      <a:solidFill>
+                                                        <a:schemeClr val="bg1"/>
+                                                      </a:solidFill>
+                                                      <a:latin typeface="Cambria Math" panose="02040503050406030204" pitchFamily="18" charset="0"/>
+                                                    </a:rPr>
+                                                    <m:t>400</m:t>
+                                                  </m:r>
+                                                </m:den>
+                                              </m:f>
                                             </m:e>
-                                            <m:sub>
-                                              <m:r>
-                                                <a:rPr lang="en-AU" sz="3200" i="1">
-                                                  <a:solidFill>
-                                                    <a:schemeClr val="bg1"/>
-                                                  </a:solidFill>
-                                                  <a:latin typeface="Cambria Math" panose="02040503050406030204" pitchFamily="18" charset="0"/>
-                                                </a:rPr>
-                                                <m:t>𝑎</m:t>
-                                              </m:r>
-                                            </m:sub>
-                                          </m:sSub>
-                                        </m:num>
-                                        <m:den>
-                                          <m:r>
-                                            <a:rPr lang="en-AU" sz="3200" i="1">
-                                              <a:solidFill>
-                                                <a:schemeClr val="bg1"/>
-                                              </a:solidFill>
-                                              <a:latin typeface="Cambria Math" panose="02040503050406030204" pitchFamily="18" charset="0"/>
-                                            </a:rPr>
-                                            <m:t>400</m:t>
-                                          </m:r>
-                                        </m:den>
-                                      </m:f>
-                                    </m:e>
-                                  </m:d>
-                                </m:sup>
-                              </m:sSup>
-                            </m:den>
-                          </m:f>
+                                          </m:d>
+                                        </m:e>
+                                      </m:d>
+                                    </m:sup>
+                                  </m:sSup>
+                                </m:den>
+                              </m:f>
+                            </m:e>
+                          </m:d>
                         </m:oMath>
                       </m:oMathPara>
                     </a14:m>
-                    <a:endParaRPr lang="en-AU" sz="3200" dirty="0">
+                    <a:endParaRPr lang="en-AU" sz="3050" dirty="0">
                       <a:solidFill>
                         <a:schemeClr val="bg1"/>
                       </a:solidFill>
@@ -8310,7 +8234,7 @@
                       </a:spcAft>
                     </a:pPr>
                     <a:r>
-                      <a:rPr lang="en-AU" sz="3200" dirty="0">
+                      <a:rPr lang="en-AU" sz="3050" dirty="0">
                         <a:solidFill>
                           <a:schemeClr val="bg1"/>
                         </a:solidFill>
@@ -8319,7 +8243,7 @@
                       <a:t>The standard MS Solver was used to find team ratings that minimised the sum of the squares of the differences between predicted results </a:t>
                     </a:r>
                     <a:r>
-                      <a:rPr lang="en-AU" sz="3200" dirty="0">
+                      <a:rPr lang="en-AU" sz="3050" dirty="0">
                         <a:solidFill>
                           <a:schemeClr val="bg1"/>
                         </a:solidFill>
@@ -8329,7 +8253,7 @@
                       <a:t>(E above)</a:t>
                     </a:r>
                     <a:r>
-                      <a:rPr lang="en-AU" sz="3200" dirty="0">
+                      <a:rPr lang="en-AU" sz="3050" dirty="0">
                         <a:solidFill>
                           <a:schemeClr val="bg1"/>
                         </a:solidFill>
@@ -8346,7 +8270,7 @@
                       </a:spcAft>
                     </a:pPr>
                     <a:r>
-                      <a:rPr lang="en-AU" sz="3200" dirty="0">
+                      <a:rPr lang="en-AU" sz="3050" dirty="0">
                         <a:solidFill>
                           <a:schemeClr val="bg1"/>
                         </a:solidFill>
@@ -8356,7 +8280,7 @@
                       <a:t>After game 25, the team rating for the St. Louis Blues was found to be 1,389.5; 31</a:t>
                     </a:r>
                     <a:r>
-                      <a:rPr lang="en-AU" sz="3200" baseline="30000" dirty="0">
+                      <a:rPr lang="en-AU" sz="3050" baseline="30000" dirty="0">
                         <a:solidFill>
                           <a:schemeClr val="bg1"/>
                         </a:solidFill>
@@ -8366,7 +8290,7 @@
                       <a:t>st</a:t>
                     </a:r>
                     <a:r>
-                      <a:rPr lang="en-AU" sz="3200" dirty="0">
+                      <a:rPr lang="en-AU" sz="3050" dirty="0">
                         <a:solidFill>
                           <a:schemeClr val="bg1"/>
                         </a:solidFill>
@@ -8376,7 +8300,7 @@
                       <a:t> out of 31 in the League. After game 50, the St. Louis Blues had a team rating of 1472.0, which was 21</a:t>
                     </a:r>
                     <a:r>
-                      <a:rPr lang="en-AU" sz="3200" baseline="30000" dirty="0">
+                      <a:rPr lang="en-AU" sz="3050" baseline="30000" dirty="0">
                         <a:solidFill>
                           <a:schemeClr val="bg1"/>
                         </a:solidFill>
@@ -8386,7 +8310,7 @@
                       <a:t>st</a:t>
                     </a:r>
                     <a:r>
-                      <a:rPr lang="en-AU" sz="3200" dirty="0">
+                      <a:rPr lang="en-AU" sz="3050" dirty="0">
                         <a:solidFill>
                           <a:schemeClr val="bg1"/>
                         </a:solidFill>
@@ -8396,7 +8320,7 @@
                       <a:t> out of 31. At the end of the regular season, the team rating for St. Louis was 1535.4, which was 10</a:t>
                     </a:r>
                     <a:r>
-                      <a:rPr lang="en-AU" sz="3200" baseline="30000" dirty="0">
+                      <a:rPr lang="en-AU" sz="3050" baseline="30000" dirty="0">
                         <a:solidFill>
                           <a:schemeClr val="bg1"/>
                         </a:solidFill>
@@ -8406,7 +8330,7 @@
                       <a:t>th</a:t>
                     </a:r>
                     <a:r>
-                      <a:rPr lang="en-AU" sz="3200" dirty="0">
+                      <a:rPr lang="en-AU" sz="3050" dirty="0">
                         <a:solidFill>
                           <a:schemeClr val="bg1"/>
                         </a:solidFill>
@@ -8436,8 +8360,8 @@
                 </p:nvSpPr>
                 <p:spPr>
                   <a:xfrm>
-                    <a:off x="494704" y="6933205"/>
-                    <a:ext cx="13480376" cy="7387407"/>
+                    <a:off x="494704" y="6680793"/>
+                    <a:ext cx="13480376" cy="7458837"/>
                   </a:xfrm>
                   <a:prstGeom prst="rect">
                     <a:avLst/>
@@ -8445,7 +8369,7 @@
                   <a:blipFill>
                     <a:blip r:embed="rId4"/>
                     <a:stretch>
-                      <a:fillRect l="-980" t="-1073" r="-1019" b="-1733"/>
+                      <a:fillRect l="-941" t="-981" r="-941" b="-1635"/>
                     </a:stretch>
                   </a:blipFill>
                 </p:spPr>
@@ -8479,10 +8403,10 @@
           </p:nvGrpSpPr>
           <p:grpSpPr>
             <a:xfrm>
-              <a:off x="151803" y="14913149"/>
-              <a:ext cx="14135693" cy="13439854"/>
-              <a:chOff x="94651" y="14913149"/>
-              <a:chExt cx="14135697" cy="13439854"/>
+              <a:off x="151803" y="14740285"/>
+              <a:ext cx="14135693" cy="13606259"/>
+              <a:chOff x="94651" y="14740285"/>
+              <a:chExt cx="14135697" cy="13606259"/>
             </a:xfrm>
             <a:grpFill/>
           </p:grpSpPr>
@@ -8500,7 +8424,7 @@
             </p:nvSpPr>
             <p:spPr>
               <a:xfrm>
-                <a:off x="94651" y="14913149"/>
+                <a:off x="94651" y="14740285"/>
                 <a:ext cx="14135695" cy="13439854"/>
               </a:xfrm>
               <a:prstGeom prst="roundRect">
@@ -8558,7 +8482,7 @@
             </p:nvCxnSpPr>
             <p:spPr>
               <a:xfrm>
-                <a:off x="94653" y="16454218"/>
+                <a:off x="94653" y="16281354"/>
                 <a:ext cx="14135695" cy="0"/>
               </a:xfrm>
               <a:prstGeom prst="line">
@@ -8600,7 +8524,7 @@
             </p:nvSpPr>
             <p:spPr>
               <a:xfrm>
-                <a:off x="494702" y="15366283"/>
+                <a:off x="494702" y="15095321"/>
                 <a:ext cx="13335595" cy="830997"/>
               </a:xfrm>
               <a:prstGeom prst="rect">
@@ -8625,99 +8549,229 @@
               </a:p>
             </p:txBody>
           </p:sp>
-          <p:sp>
-            <p:nvSpPr>
-              <p:cNvPr id="309" name="TextBox 308">
-                <a:extLst>
-                  <a:ext uri="{FF2B5EF4-FFF2-40B4-BE49-F238E27FC236}">
-                    <a16:creationId xmlns:a16="http://schemas.microsoft.com/office/drawing/2014/main" id="{0F1C3552-B877-427E-91C7-A51E067FBF60}"/>
-                  </a:ext>
-                </a:extLst>
-              </p:cNvPr>
-              <p:cNvSpPr txBox="1"/>
-              <p:nvPr/>
-            </p:nvSpPr>
-            <p:spPr>
-              <a:xfrm>
-                <a:off x="494704" y="16703353"/>
-                <a:ext cx="13480376" cy="11618565"/>
-              </a:xfrm>
-              <a:prstGeom prst="rect">
-                <a:avLst/>
-              </a:prstGeom>
-              <a:noFill/>
-            </p:spPr>
-            <p:txBody>
-              <a:bodyPr wrap="square" rtlCol="0">
-                <a:spAutoFit/>
-              </a:bodyPr>
-              <a:lstStyle/>
-              <a:p>
-                <a:pPr algn="just">
-                  <a:spcAft>
-                    <a:spcPts val="1800"/>
-                  </a:spcAft>
-                </a:pPr>
-                <a:r>
-                  <a:rPr lang="en-AU" sz="3200" dirty="0">
-                    <a:solidFill>
-                      <a:schemeClr val="bg1"/>
-                    </a:solidFill>
-                    <a:latin typeface="Arial Nova" panose="020B0504020202020204" pitchFamily="34" charset="0"/>
-                  </a:rPr>
-                  <a:t>Three simulations were run to match each of the partitions of data and each of the Elo team ratings. Using the ratings determined for games 1 to 25, games from 26 onwards were simulated. Similarly, using the Elo ratings for games 1 to 50, games from 51 onwards were simulated. For these two simulations the final standings, as determined by the simulation, were used to further simulate the finals series. The Elo ratings as determined for the entire regular season were also used to simulate the finals series. As such, three likelihoods were calculated; the likelihood of St. Louis winning the Stanley Cup at game 25, at game 50, and at game 82.</a:t>
-                </a:r>
-              </a:p>
-              <a:p>
-                <a:pPr algn="just">
-                  <a:spcAft>
-                    <a:spcPts val="1800"/>
-                  </a:spcAft>
-                </a:pPr>
-                <a:r>
-                  <a:rPr lang="en-AU" sz="3200" dirty="0">
-                    <a:solidFill>
-                      <a:schemeClr val="bg1"/>
-                    </a:solidFill>
-                    <a:latin typeface="Arial Nova" panose="020B0504020202020204" pitchFamily="34" charset="0"/>
-                  </a:rPr>
-                  <a:t>Each of the simulations were run across 10,000 trials. For each game within each trial a number was chosen at random from a uniform distribution between 0 and 1. If this number was lesser than the expected result of the match, Team A was determined to win the simulated game. Conversely, if the value of the random number was greater than the expected value, Team B was determined to win. This was repeated for each of the remaining games of the regular season and the finals series.</a:t>
-                </a:r>
-              </a:p>
-              <a:p>
-                <a:pPr algn="just">
-                  <a:spcAft>
-                    <a:spcPts val="1800"/>
-                  </a:spcAft>
-                </a:pPr>
-                <a:r>
-                  <a:rPr lang="en-AU" sz="3200" dirty="0">
-                    <a:solidFill>
-                      <a:schemeClr val="bg1"/>
-                    </a:solidFill>
-                    <a:latin typeface="Arial Nova" panose="020B0504020202020204" pitchFamily="34" charset="0"/>
-                  </a:rPr>
-                  <a:t>Points were determined for each of the simulated games in the remaining season to align with standard scoring in the NHL. Two points were awarded for a win and zero points for a loss. Ties in season points were broken by total goals scored over the season, with the team that scored more goals being ranked higher. These season rankings were used to decide the teams that progressed into the finals.</a:t>
-                </a:r>
-              </a:p>
-              <a:p>
-                <a:pPr algn="just">
-                  <a:spcAft>
-                    <a:spcPts val="1800"/>
-                  </a:spcAft>
-                </a:pPr>
-                <a:r>
-                  <a:rPr lang="en-AU" sz="3200" dirty="0">
-                    <a:solidFill>
-                      <a:schemeClr val="bg1"/>
-                    </a:solidFill>
-                    <a:latin typeface="Arial Nova" panose="020B0504020202020204" pitchFamily="34" charset="0"/>
-                  </a:rPr>
-                  <a:t>The playoffs series were decided by the same method as above, with expected results compared to a value from random number generator. Each winner progressed to the next stage, and ultimately the final playoffs series.</a:t>
-                </a:r>
-              </a:p>
-            </p:txBody>
-          </p:sp>
+          <mc:AlternateContent xmlns:mc="http://schemas.openxmlformats.org/markup-compatibility/2006">
+            <mc:Choice xmlns:a14="http://schemas.microsoft.com/office/drawing/2010/main" Requires="a14">
+              <p:sp>
+                <p:nvSpPr>
+                  <p:cNvPr id="309" name="TextBox 308">
+                    <a:extLst>
+                      <a:ext uri="{FF2B5EF4-FFF2-40B4-BE49-F238E27FC236}">
+                        <a16:creationId xmlns:a16="http://schemas.microsoft.com/office/drawing/2014/main" id="{0F1C3552-B877-427E-91C7-A51E067FBF60}"/>
+                      </a:ext>
+                    </a:extLst>
+                  </p:cNvPr>
+                  <p:cNvSpPr txBox="1"/>
+                  <p:nvPr/>
+                </p:nvSpPr>
+                <p:spPr>
+                  <a:xfrm>
+                    <a:off x="494704" y="16530489"/>
+                    <a:ext cx="13480376" cy="11816055"/>
+                  </a:xfrm>
+                  <a:prstGeom prst="rect">
+                    <a:avLst/>
+                  </a:prstGeom>
+                  <a:noFill/>
+                </p:spPr>
+                <p:txBody>
+                  <a:bodyPr wrap="square" rtlCol="0">
+                    <a:spAutoFit/>
+                  </a:bodyPr>
+                  <a:lstStyle/>
+                  <a:p>
+                    <a:pPr algn="just">
+                      <a:spcAft>
+                        <a:spcPts val="1800"/>
+                      </a:spcAft>
+                    </a:pPr>
+                    <a:r>
+                      <a:rPr lang="en-AU" sz="3050" dirty="0">
+                        <a:solidFill>
+                          <a:schemeClr val="bg1"/>
+                        </a:solidFill>
+                        <a:latin typeface="Arial Nova" panose="020B0504020202020204" pitchFamily="34" charset="0"/>
+                      </a:rPr>
+                      <a:t>Three simulations were run to match each of the partitions of data and each of the Elo team ratings. Using the ratings determined for games 1 to 25, games from 26 onwards were simulated. Similarly, using the Elo ratings for games 1 to 50, games from 51 onwards were simulated. For these two simulations the final standings, as determined by the simulation, were used to further simulate the finals series. The Elo ratings as determined for the entire regular season were also used to simulate the finals series. As such, three likelihoods were calculated; the likelihood of St. Louis winning the Stanley Cup at game 25, at game 50, and at game 82.</a:t>
+                    </a:r>
+                  </a:p>
+                  <a:p>
+                    <a:pPr algn="just">
+                      <a:spcAft>
+                        <a:spcPts val="1800"/>
+                      </a:spcAft>
+                    </a:pPr>
+                    <a:r>
+                      <a:rPr lang="en-AU" sz="3050" dirty="0">
+                        <a:solidFill>
+                          <a:schemeClr val="bg1"/>
+                        </a:solidFill>
+                        <a:latin typeface="Arial Nova" panose="020B0504020202020204" pitchFamily="34" charset="0"/>
+                      </a:rPr>
+                      <a:t>Each of the simulations were run across 5,000 trials. For each game within each trial a number was chosen at random from a uniform distribution between 0 and 1. If this number was lesser than the expected result of the match, Team A was determined to win the simulated game. Conversely, if the value of the random number was greater than the expected value, Team B was determined to win. If the random number was no lesser than 5% less than the expected value, an overtime loss was recorded. This was repeated for each of the remaining games of the regular season and the finals series.</a:t>
+                    </a:r>
+                  </a:p>
+                  <a:p>
+                    <a:pPr algn="just">
+                      <a:spcAft>
+                        <a:spcPts val="1800"/>
+                      </a:spcAft>
+                    </a:pPr>
+                    <a:r>
+                      <a:rPr lang="en-AU" sz="3050" dirty="0">
+                        <a:solidFill>
+                          <a:schemeClr val="bg1"/>
+                        </a:solidFill>
+                        <a:latin typeface="Arial Nova" panose="020B0504020202020204" pitchFamily="34" charset="0"/>
+                      </a:rPr>
+                      <a:t>Points were determined for each of the simulated games in the remaining season to align with standard scoring in the NHL. Two points were awarded for a win, zero points for a loss, and one point for an overtime loss. Ties in season points were broken by adjusting points by adding </a:t>
+                    </a:r>
+                    <a14:m>
+                      <m:oMath xmlns:m="http://schemas.openxmlformats.org/officeDocument/2006/math">
+                        <m:f>
+                          <m:fPr>
+                            <m:type m:val="skw"/>
+                            <m:ctrlPr>
+                              <a:rPr lang="en-AU" sz="3050" b="0" i="1" smtClean="0">
+                                <a:solidFill>
+                                  <a:schemeClr val="bg1"/>
+                                </a:solidFill>
+                                <a:latin typeface="Cambria Math" panose="02040503050406030204" pitchFamily="18" charset="0"/>
+                              </a:rPr>
+                            </m:ctrlPr>
+                          </m:fPr>
+                          <m:num>
+                            <m:r>
+                              <a:rPr lang="en-AU" sz="3050" i="1">
+                                <a:solidFill>
+                                  <a:schemeClr val="bg1"/>
+                                </a:solidFill>
+                                <a:latin typeface="Cambria Math" panose="02040503050406030204" pitchFamily="18" charset="0"/>
+                              </a:rPr>
+                              <m:t>𝐸𝑙</m:t>
+                            </m:r>
+                            <m:sSub>
+                              <m:sSubPr>
+                                <m:ctrlPr>
+                                  <a:rPr lang="en-AU" sz="3050" i="1">
+                                    <a:solidFill>
+                                      <a:schemeClr val="bg1"/>
+                                    </a:solidFill>
+                                    <a:latin typeface="Cambria Math" panose="02040503050406030204" pitchFamily="18" charset="0"/>
+                                  </a:rPr>
+                                </m:ctrlPr>
+                              </m:sSubPr>
+                              <m:e>
+                                <m:r>
+                                  <a:rPr lang="en-AU" sz="3050" i="1">
+                                    <a:solidFill>
+                                      <a:schemeClr val="bg1"/>
+                                    </a:solidFill>
+                                    <a:latin typeface="Cambria Math" panose="02040503050406030204" pitchFamily="18" charset="0"/>
+                                  </a:rPr>
+                                  <m:t>𝑜</m:t>
+                                </m:r>
+                              </m:e>
+                              <m:sub>
+                                <m:r>
+                                  <a:rPr lang="en-AU" sz="3050" i="1">
+                                    <a:solidFill>
+                                      <a:schemeClr val="bg1"/>
+                                    </a:solidFill>
+                                    <a:latin typeface="Cambria Math" panose="02040503050406030204" pitchFamily="18" charset="0"/>
+                                  </a:rPr>
+                                  <m:t>𝐴</m:t>
+                                </m:r>
+                              </m:sub>
+                            </m:sSub>
+                          </m:num>
+                          <m:den>
+                            <m:r>
+                              <a:rPr lang="en-AU" sz="3050" b="0" i="1" smtClean="0">
+                                <a:solidFill>
+                                  <a:schemeClr val="bg1"/>
+                                </a:solidFill>
+                                <a:latin typeface="Cambria Math" panose="02040503050406030204" pitchFamily="18" charset="0"/>
+                              </a:rPr>
+                              <m:t>10,000</m:t>
+                            </m:r>
+                          </m:den>
+                        </m:f>
+                      </m:oMath>
+                    </a14:m>
+                    <a:r>
+                      <a:rPr lang="en-AU" sz="3050" dirty="0">
+                        <a:solidFill>
+                          <a:schemeClr val="bg1"/>
+                        </a:solidFill>
+                        <a:latin typeface="Arial Nova" panose="020B0504020202020204" pitchFamily="34" charset="0"/>
+                      </a:rPr>
+                      <a:t> . These season rankings were used to decide the teams that progressed into the finals.</a:t>
+                    </a:r>
+                  </a:p>
+                  <a:p>
+                    <a:pPr algn="just">
+                      <a:spcAft>
+                        <a:spcPts val="1800"/>
+                      </a:spcAft>
+                    </a:pPr>
+                    <a:r>
+                      <a:rPr lang="en-AU" sz="3050" dirty="0">
+                        <a:solidFill>
+                          <a:schemeClr val="bg1"/>
+                        </a:solidFill>
+                        <a:latin typeface="Arial Nova" panose="020B0504020202020204" pitchFamily="34" charset="0"/>
+                      </a:rPr>
+                      <a:t>The playoffs series were decided by the same method as above, with expected results compared to a value from random number generator. Each winner progressed to the next stage, and ultimately the final playoffs series.</a:t>
+                    </a:r>
+                  </a:p>
+                </p:txBody>
+              </p:sp>
+            </mc:Choice>
+            <mc:Fallback>
+              <p:sp>
+                <p:nvSpPr>
+                  <p:cNvPr id="309" name="TextBox 308">
+                    <a:extLst>
+                      <a:ext uri="{FF2B5EF4-FFF2-40B4-BE49-F238E27FC236}">
+                        <a16:creationId xmlns:a16="http://schemas.microsoft.com/office/drawing/2014/main" id="{0F1C3552-B877-427E-91C7-A51E067FBF60}"/>
+                      </a:ext>
+                    </a:extLst>
+                  </p:cNvPr>
+                  <p:cNvSpPr txBox="1">
+                    <a:spLocks noRot="1" noChangeAspect="1" noMove="1" noResize="1" noEditPoints="1" noAdjustHandles="1" noChangeArrowheads="1" noChangeShapeType="1" noTextEdit="1"/>
+                  </p:cNvSpPr>
+                  <p:nvPr/>
+                </p:nvSpPr>
+                <p:spPr>
+                  <a:xfrm>
+                    <a:off x="494704" y="16530489"/>
+                    <a:ext cx="13480376" cy="11816055"/>
+                  </a:xfrm>
+                  <a:prstGeom prst="rect">
+                    <a:avLst/>
+                  </a:prstGeom>
+                  <a:blipFill>
+                    <a:blip r:embed="rId5"/>
+                    <a:stretch>
+                      <a:fillRect l="-941" t="-671" r="-941"/>
+                    </a:stretch>
+                  </a:blipFill>
+                </p:spPr>
+                <p:txBody>
+                  <a:bodyPr/>
+                  <a:lstStyle/>
+                  <a:p>
+                    <a:r>
+                      <a:rPr lang="en-AU">
+                        <a:noFill/>
+                      </a:rPr>
+                      <a:t> </a:t>
+                    </a:r>
+                  </a:p>
+                </p:txBody>
+              </p:sp>
+            </mc:Fallback>
+          </mc:AlternateContent>
         </p:grpSp>
       </p:grpSp>
       <p:grpSp>
@@ -9121,7 +9175,7 @@
             <p:spPr>
               <a:xfrm>
                 <a:off x="494704" y="17650681"/>
-                <a:ext cx="13480376" cy="10110460"/>
+                <a:ext cx="13480376" cy="9471824"/>
               </a:xfrm>
               <a:prstGeom prst="rect">
                 <a:avLst/>
@@ -9140,13 +9194,13 @@
                   </a:spcAft>
                 </a:pPr>
                 <a:r>
-                  <a:rPr lang="en-AU" sz="3200" dirty="0">
+                  <a:rPr lang="en-AU" sz="3050" dirty="0">
                     <a:solidFill>
                       <a:schemeClr val="bg1"/>
                     </a:solidFill>
                     <a:latin typeface="Arial Nova" panose="020B0504020202020204" pitchFamily="34" charset="0"/>
                   </a:rPr>
-                  <a:t>Firstly, the model did not account for points awarded for Over Time Losses, which are awarded to the losing team when a game goes into overtime.</a:t>
+                  <a:t>Due to the staggered nature of number of games played across teams, some data was lost when partitioning on game number. For example, if all fixtures from game 25 onwards were filtered out of a data partition, games where Team A were playing their 23rd game and Team B were playing their 26th game were lost; neither considered in the constant Elo rating optimisation nor the partitioned data used to simulate the remaining season. A more effective method for partitioning the data would be based on date coupled with a refining of the season standings scoring method.</a:t>
                 </a:r>
               </a:p>
               <a:p>
@@ -9156,13 +9210,13 @@
                   </a:spcAft>
                 </a:pPr>
                 <a:r>
-                  <a:rPr lang="en-AU" sz="3200" dirty="0">
+                  <a:rPr lang="en-AU" sz="3050" dirty="0">
                     <a:solidFill>
                       <a:schemeClr val="bg1"/>
                     </a:solidFill>
                     <a:latin typeface="Arial Nova" panose="020B0504020202020204" pitchFamily="34" charset="0"/>
                   </a:rPr>
-                  <a:t>Secondly, the model assumed that there was only one game in each stage of the playoffs series. As such, the first-to-four nature of the playoffs series was not incorporated.</a:t>
+                  <a:t>The method used for calculating the season standings was too simple for the intended purpose. Points were calculated simply based on whether the team won, lost, or had an overtime loss. This greatly contrasts the season standings scoring method used by the NHL, which is more complex and comprises goals scored differential, games results between tied teams, and season points in the context of number of games played.</a:t>
                 </a:r>
               </a:p>
               <a:p>
@@ -9172,146 +9226,14 @@
                   </a:spcAft>
                 </a:pPr>
                 <a:r>
-                  <a:rPr lang="en-AU" sz="3200" dirty="0">
+                  <a:rPr lang="en-AU" sz="3050" dirty="0">
                     <a:solidFill>
                       <a:schemeClr val="bg1"/>
                     </a:solidFill>
                     <a:latin typeface="Arial Nova" panose="020B0504020202020204" pitchFamily="34" charset="0"/>
                   </a:rPr>
-                  <a:t>Lastly, data partitions were determined based on the game number of </a:t>
+                  <a:t>The simulations could have also been improved by incorporating a simulation of points scored, which would have assisted with determining season standings (as outlined above) as well as provided a more realistic simulation of the regular season. Overtime losses were based on the difference between a random number and Elo expected results, which reduced the results of the game to a ternary data structure (0, 1, 2). Using a multiple regression model to simulate goals scored by teams would facilitate adding this level of granularity to the simulations.</a:t>
                 </a:r>
-                <a:r>
-                  <a:rPr lang="en-AU" sz="3200" i="1" dirty="0">
-                    <a:solidFill>
-                      <a:schemeClr val="bg1"/>
-                    </a:solidFill>
-                    <a:latin typeface="Arial Nova" panose="020B0504020202020204" pitchFamily="34" charset="0"/>
-                  </a:rPr>
-                  <a:t>both</a:t>
-                </a:r>
-                <a:r>
-                  <a:rPr lang="en-AU" sz="3200" dirty="0">
-                    <a:solidFill>
-                      <a:schemeClr val="bg1"/>
-                    </a:solidFill>
-                    <a:latin typeface="Arial Nova" panose="020B0504020202020204" pitchFamily="34" charset="0"/>
-                  </a:rPr>
-                  <a:t> teams. That is, many games where one team was playing their 26</a:t>
-                </a:r>
-                <a:r>
-                  <a:rPr lang="en-AU" sz="3200" baseline="30000" dirty="0">
-                    <a:solidFill>
-                      <a:schemeClr val="bg1"/>
-                    </a:solidFill>
-                    <a:latin typeface="Arial Nova" panose="020B0504020202020204" pitchFamily="34" charset="0"/>
-                  </a:rPr>
-                  <a:t>th</a:t>
-                </a:r>
-                <a:r>
-                  <a:rPr lang="en-AU" sz="3200" dirty="0">
-                    <a:solidFill>
-                      <a:schemeClr val="bg1"/>
-                    </a:solidFill>
-                    <a:latin typeface="Arial Nova" panose="020B0504020202020204" pitchFamily="34" charset="0"/>
-                  </a:rPr>
-                  <a:t> game but the competitor was playing their 24</a:t>
-                </a:r>
-                <a:r>
-                  <a:rPr lang="en-AU" sz="3200" baseline="30000" dirty="0">
-                    <a:solidFill>
-                      <a:schemeClr val="bg1"/>
-                    </a:solidFill>
-                    <a:latin typeface="Arial Nova" panose="020B0504020202020204" pitchFamily="34" charset="0"/>
-                  </a:rPr>
-                  <a:t>th</a:t>
-                </a:r>
-                <a:r>
-                  <a:rPr lang="en-AU" sz="3200" dirty="0">
-                    <a:solidFill>
-                      <a:schemeClr val="bg1"/>
-                    </a:solidFill>
-                    <a:latin typeface="Arial Nova" panose="020B0504020202020204" pitchFamily="34" charset="0"/>
-                  </a:rPr>
-                  <a:t> were excluded from partitions. More over, team standings were also determined based on similar methods, so often ratings for teams were determined at points in time where one team may have only just played their 25</a:t>
-                </a:r>
-                <a:r>
-                  <a:rPr lang="en-AU" sz="3200" baseline="30000" dirty="0">
-                    <a:solidFill>
-                      <a:schemeClr val="bg1"/>
-                    </a:solidFill>
-                    <a:latin typeface="Arial Nova" panose="020B0504020202020204" pitchFamily="34" charset="0"/>
-                  </a:rPr>
-                  <a:t>th</a:t>
-                </a:r>
-                <a:r>
-                  <a:rPr lang="en-AU" sz="3200" dirty="0">
-                    <a:solidFill>
-                      <a:schemeClr val="bg1"/>
-                    </a:solidFill>
-                    <a:latin typeface="Arial Nova" panose="020B0504020202020204" pitchFamily="34" charset="0"/>
-                  </a:rPr>
-                  <a:t> game whilst others had played their 26</a:t>
-                </a:r>
-                <a:r>
-                  <a:rPr lang="en-AU" sz="3200" baseline="30000" dirty="0">
-                    <a:solidFill>
-                      <a:schemeClr val="bg1"/>
-                    </a:solidFill>
-                    <a:latin typeface="Arial Nova" panose="020B0504020202020204" pitchFamily="34" charset="0"/>
-                  </a:rPr>
-                  <a:t>th</a:t>
-                </a:r>
-                <a:r>
-                  <a:rPr lang="en-AU" sz="3200" dirty="0">
-                    <a:solidFill>
-                      <a:schemeClr val="bg1"/>
-                    </a:solidFill>
-                    <a:latin typeface="Arial Nova" panose="020B0504020202020204" pitchFamily="34" charset="0"/>
-                  </a:rPr>
-                  <a:t> or more.</a:t>
-                </a:r>
-              </a:p>
-              <a:p>
-                <a:pPr>
-                  <a:spcAft>
-                    <a:spcPts val="1800"/>
-                  </a:spcAft>
-                </a:pPr>
-                <a:endParaRPr lang="en-AU" sz="3200" dirty="0">
-                  <a:solidFill>
-                    <a:schemeClr val="bg1"/>
-                  </a:solidFill>
-                  <a:latin typeface="Arial Nova" panose="020B0504020202020204" pitchFamily="34" charset="0"/>
-                </a:endParaRPr>
-              </a:p>
-              <a:p>
-                <a:pPr>
-                  <a:spcAft>
-                    <a:spcPts val="1800"/>
-                  </a:spcAft>
-                </a:pPr>
-                <a:r>
-                  <a:rPr lang="en-AU" sz="3200" dirty="0">
-                    <a:solidFill>
-                      <a:schemeClr val="bg1"/>
-                    </a:solidFill>
-                    <a:latin typeface="Arial Nova" panose="020B0504020202020204" pitchFamily="34" charset="0"/>
-                  </a:rPr>
-                  <a:t>St. Louis Blues’ likelihood of both making it to and winning the Stanley Cup playoffs were slim throughout all points in the season, despite the dramatic increase in wins as the weeks progressed. Even after clinching a playoffs position at the end of the regular season, the Blues’ likelihood of winning each successive series was still low. They truly overcame the odds.</a:t>
-                </a:r>
-              </a:p>
-              <a:p>
-                <a:pPr>
-                  <a:spcAft>
-                    <a:spcPts val="1800"/>
-                  </a:spcAft>
-                </a:pPr>
-                <a:endParaRPr lang="en-AU" sz="3200" dirty="0">
-                  <a:solidFill>
-                    <a:schemeClr val="bg1"/>
-                  </a:solidFill>
-                  <a:latin typeface="Arial Nova" panose="020B0504020202020204" pitchFamily="34" charset="0"/>
-                </a:endParaRPr>
               </a:p>
             </p:txBody>
           </p:sp>
@@ -9332,7 +9254,7 @@
           <p:nvPr/>
         </p:nvPicPr>
         <p:blipFill>
-          <a:blip r:embed="rId5"/>
+          <a:blip r:embed="rId6"/>
           <a:stretch>
             <a:fillRect/>
           </a:stretch>
@@ -9362,7 +9284,7 @@
           <p:nvPr/>
         </p:nvPicPr>
         <p:blipFill>
-          <a:blip r:embed="rId6"/>
+          <a:blip r:embed="rId7"/>
           <a:stretch>
             <a:fillRect/>
           </a:stretch>
@@ -9512,7 +9434,7 @@
                 <p:nvPr/>
               </p:nvPicPr>
               <p:blipFill>
-                <a:blip r:embed="rId7"/>
+                <a:blip r:embed="rId8"/>
                 <a:stretch>
                   <a:fillRect/>
                 </a:stretch>
@@ -9657,7 +9579,7 @@
             <p:nvPr/>
           </p:nvPicPr>
           <p:blipFill>
-            <a:blip r:embed="rId8">
+            <a:blip r:embed="rId9">
               <a:extLst>
                 <a:ext uri="{28A0092B-C50C-407E-A947-70E740481C1C}">
                   <a14:useLocalDpi xmlns:a14="http://schemas.microsoft.com/office/drawing/2010/main" val="0"/>
